--- a/PROJECT/Sketch-CNN/DOCS/SketchCNN_Presentation3.pptx
+++ b/PROJECT/Sketch-CNN/DOCS/SketchCNN_Presentation3.pptx
@@ -5,36 +5,41 @@
     <p:sldMasterId id="2147483648" r:id="rId1"/>
   </p:sldMasterIdLst>
   <p:sldIdLst>
-    <p:sldId id="256" r:id="rId2"/>
-    <p:sldId id="257" r:id="rId3"/>
-    <p:sldId id="258" r:id="rId4"/>
-    <p:sldId id="259" r:id="rId5"/>
-    <p:sldId id="274" r:id="rId6"/>
-    <p:sldId id="261" r:id="rId7"/>
-    <p:sldId id="260" r:id="rId8"/>
-    <p:sldId id="283" r:id="rId9"/>
-    <p:sldId id="284" r:id="rId10"/>
-    <p:sldId id="262" r:id="rId11"/>
-    <p:sldId id="265" r:id="rId12"/>
-    <p:sldId id="266" r:id="rId13"/>
-    <p:sldId id="275" r:id="rId14"/>
-    <p:sldId id="267" r:id="rId15"/>
-    <p:sldId id="276" r:id="rId16"/>
-    <p:sldId id="268" r:id="rId17"/>
-    <p:sldId id="277" r:id="rId18"/>
-    <p:sldId id="269" r:id="rId19"/>
-    <p:sldId id="278" r:id="rId20"/>
-    <p:sldId id="271" r:id="rId21"/>
-    <p:sldId id="279" r:id="rId22"/>
-    <p:sldId id="272" r:id="rId23"/>
-    <p:sldId id="280" r:id="rId24"/>
-    <p:sldId id="281" r:id="rId25"/>
-    <p:sldId id="282" r:id="rId26"/>
-    <p:sldId id="285" r:id="rId27"/>
-    <p:sldId id="286" r:id="rId28"/>
+    <p:sldId id="256" r:id="rId3"/>
+    <p:sldId id="257" r:id="rId4"/>
+    <p:sldId id="258" r:id="rId5"/>
+    <p:sldId id="259" r:id="rId6"/>
+    <p:sldId id="274" r:id="rId7"/>
+    <p:sldId id="261" r:id="rId8"/>
+    <p:sldId id="260" r:id="rId9"/>
+    <p:sldId id="283" r:id="rId10"/>
+    <p:sldId id="284" r:id="rId11"/>
+    <p:sldId id="262" r:id="rId12"/>
+    <p:sldId id="265" r:id="rId13"/>
+    <p:sldId id="266" r:id="rId14"/>
+    <p:sldId id="275" r:id="rId15"/>
+    <p:sldId id="267" r:id="rId16"/>
+    <p:sldId id="276" r:id="rId17"/>
+    <p:sldId id="268" r:id="rId18"/>
+    <p:sldId id="277" r:id="rId19"/>
+    <p:sldId id="269" r:id="rId20"/>
+    <p:sldId id="278" r:id="rId21"/>
+    <p:sldId id="271" r:id="rId22"/>
+    <p:sldId id="279" r:id="rId23"/>
+    <p:sldId id="272" r:id="rId24"/>
+    <p:sldId id="280" r:id="rId25"/>
+    <p:sldId id="281" r:id="rId26"/>
+    <p:sldId id="282" r:id="rId27"/>
+    <p:sldId id="285" r:id="rId28"/>
+    <p:sldId id="286" r:id="rId29"/>
+    <p:sldId id="304" r:id="rId30"/>
+    <p:sldId id="303" r:id="rId31"/>
   </p:sldIdLst>
   <p:sldSz cx="12192000" cy="6858000"/>
   <p:notesSz cx="6858000" cy="9144000"/>
+  <p:custDataLst>
+    <p:tags r:id="rId35"/>
+  </p:custDataLst>
   <p:defaultTextStyle>
     <a:defPPr>
       <a:defRPr lang="zh-CN"/>
@@ -130,11 +135,6 @@
       </a:defRPr>
     </a:lvl9pPr>
   </p:defaultTextStyle>
-  <p:extLst>
-    <p:ext uri="{EFAFB233-063F-42B5-8137-9DF3F51BA10A}">
-      <p15:sldGuideLst xmlns:p15="http://schemas.microsoft.com/office/powerpoint/2012/main"/>
-    </p:ext>
-  </p:extLst>
 </p:presentation>
 </file>
 
@@ -183,6 +183,7 @@
               <a:rPr lang="zh-CN" altLang="en-US"/>
               <a:t>单击此处编辑母版标题样式</a:t>
             </a:r>
+            <a:endParaRPr lang="zh-CN" altLang="en-US"/>
           </a:p>
         </p:txBody>
       </p:sp>
@@ -247,6 +248,7 @@
               <a:rPr lang="zh-CN" altLang="en-US"/>
               <a:t>单击此处编辑母版副标题样式</a:t>
             </a:r>
+            <a:endParaRPr lang="zh-CN" altLang="en-US"/>
           </a:p>
         </p:txBody>
       </p:sp>
@@ -267,7 +269,6 @@
           <a:p>
             <a:fld id="{D997B5FA-0921-464F-AAE1-844C04324D75}" type="datetimeFigureOut">
               <a:rPr lang="zh-CN" altLang="en-US" smtClean="0"/>
-              <a:t>2022/7/25</a:t>
             </a:fld>
             <a:endParaRPr lang="zh-CN" altLang="en-US"/>
           </a:p>
@@ -309,7 +310,6 @@
           <a:p>
             <a:fld id="{565CE74E-AB26-4998-AD42-012C4C1AD076}" type="slidenum">
               <a:rPr lang="zh-CN" altLang="en-US" smtClean="0"/>
-              <a:t>‹#›</a:t>
             </a:fld>
             <a:endParaRPr lang="zh-CN" altLang="en-US"/>
           </a:p>
@@ -359,6 +359,7 @@
               <a:rPr lang="zh-CN" altLang="en-US"/>
               <a:t>单击此处编辑母版标题样式</a:t>
             </a:r>
+            <a:endParaRPr lang="zh-CN" altLang="en-US"/>
           </a:p>
         </p:txBody>
       </p:sp>
@@ -382,6 +383,7 @@
               <a:rPr lang="zh-CN" altLang="en-US"/>
               <a:t>单击此处编辑母版文本样式</a:t>
             </a:r>
+            <a:endParaRPr lang="zh-CN" altLang="en-US"/>
           </a:p>
           <a:p>
             <a:pPr lvl="1"/>
@@ -389,6 +391,7 @@
               <a:rPr lang="zh-CN" altLang="en-US"/>
               <a:t>第二级</a:t>
             </a:r>
+            <a:endParaRPr lang="zh-CN" altLang="en-US"/>
           </a:p>
           <a:p>
             <a:pPr lvl="2"/>
@@ -396,6 +399,7 @@
               <a:rPr lang="zh-CN" altLang="en-US"/>
               <a:t>第三级</a:t>
             </a:r>
+            <a:endParaRPr lang="zh-CN" altLang="en-US"/>
           </a:p>
           <a:p>
             <a:pPr lvl="3"/>
@@ -403,6 +407,7 @@
               <a:rPr lang="zh-CN" altLang="en-US"/>
               <a:t>第四级</a:t>
             </a:r>
+            <a:endParaRPr lang="zh-CN" altLang="en-US"/>
           </a:p>
           <a:p>
             <a:pPr lvl="4"/>
@@ -410,6 +415,7 @@
               <a:rPr lang="zh-CN" altLang="en-US"/>
               <a:t>第五级</a:t>
             </a:r>
+            <a:endParaRPr lang="zh-CN" altLang="en-US"/>
           </a:p>
         </p:txBody>
       </p:sp>
@@ -430,7 +436,6 @@
           <a:p>
             <a:fld id="{D997B5FA-0921-464F-AAE1-844C04324D75}" type="datetimeFigureOut">
               <a:rPr lang="zh-CN" altLang="en-US" smtClean="0"/>
-              <a:t>2022/7/25</a:t>
             </a:fld>
             <a:endParaRPr lang="zh-CN" altLang="en-US"/>
           </a:p>
@@ -472,7 +477,6 @@
           <a:p>
             <a:fld id="{565CE74E-AB26-4998-AD42-012C4C1AD076}" type="slidenum">
               <a:rPr lang="zh-CN" altLang="en-US" smtClean="0"/>
-              <a:t>‹#›</a:t>
             </a:fld>
             <a:endParaRPr lang="zh-CN" altLang="en-US"/>
           </a:p>
@@ -527,6 +531,7 @@
               <a:rPr lang="zh-CN" altLang="en-US"/>
               <a:t>单击此处编辑母版标题样式</a:t>
             </a:r>
+            <a:endParaRPr lang="zh-CN" altLang="en-US"/>
           </a:p>
         </p:txBody>
       </p:sp>
@@ -555,6 +560,7 @@
               <a:rPr lang="zh-CN" altLang="en-US"/>
               <a:t>单击此处编辑母版文本样式</a:t>
             </a:r>
+            <a:endParaRPr lang="zh-CN" altLang="en-US"/>
           </a:p>
           <a:p>
             <a:pPr lvl="1"/>
@@ -562,6 +568,7 @@
               <a:rPr lang="zh-CN" altLang="en-US"/>
               <a:t>第二级</a:t>
             </a:r>
+            <a:endParaRPr lang="zh-CN" altLang="en-US"/>
           </a:p>
           <a:p>
             <a:pPr lvl="2"/>
@@ -569,6 +576,7 @@
               <a:rPr lang="zh-CN" altLang="en-US"/>
               <a:t>第三级</a:t>
             </a:r>
+            <a:endParaRPr lang="zh-CN" altLang="en-US"/>
           </a:p>
           <a:p>
             <a:pPr lvl="3"/>
@@ -576,6 +584,7 @@
               <a:rPr lang="zh-CN" altLang="en-US"/>
               <a:t>第四级</a:t>
             </a:r>
+            <a:endParaRPr lang="zh-CN" altLang="en-US"/>
           </a:p>
           <a:p>
             <a:pPr lvl="4"/>
@@ -583,6 +592,7 @@
               <a:rPr lang="zh-CN" altLang="en-US"/>
               <a:t>第五级</a:t>
             </a:r>
+            <a:endParaRPr lang="zh-CN" altLang="en-US"/>
           </a:p>
         </p:txBody>
       </p:sp>
@@ -603,7 +613,6 @@
           <a:p>
             <a:fld id="{D997B5FA-0921-464F-AAE1-844C04324D75}" type="datetimeFigureOut">
               <a:rPr lang="zh-CN" altLang="en-US" smtClean="0"/>
-              <a:t>2022/7/25</a:t>
             </a:fld>
             <a:endParaRPr lang="zh-CN" altLang="en-US"/>
           </a:p>
@@ -645,7 +654,6 @@
           <a:p>
             <a:fld id="{565CE74E-AB26-4998-AD42-012C4C1AD076}" type="slidenum">
               <a:rPr lang="zh-CN" altLang="en-US" smtClean="0"/>
-              <a:t>‹#›</a:t>
             </a:fld>
             <a:endParaRPr lang="zh-CN" altLang="en-US"/>
           </a:p>
@@ -695,6 +703,7 @@
               <a:rPr lang="zh-CN" altLang="en-US"/>
               <a:t>单击此处编辑母版标题样式</a:t>
             </a:r>
+            <a:endParaRPr lang="zh-CN" altLang="en-US"/>
           </a:p>
         </p:txBody>
       </p:sp>
@@ -718,6 +727,7 @@
               <a:rPr lang="zh-CN" altLang="en-US"/>
               <a:t>单击此处编辑母版文本样式</a:t>
             </a:r>
+            <a:endParaRPr lang="zh-CN" altLang="en-US"/>
           </a:p>
           <a:p>
             <a:pPr lvl="1"/>
@@ -725,6 +735,7 @@
               <a:rPr lang="zh-CN" altLang="en-US"/>
               <a:t>第二级</a:t>
             </a:r>
+            <a:endParaRPr lang="zh-CN" altLang="en-US"/>
           </a:p>
           <a:p>
             <a:pPr lvl="2"/>
@@ -732,6 +743,7 @@
               <a:rPr lang="zh-CN" altLang="en-US"/>
               <a:t>第三级</a:t>
             </a:r>
+            <a:endParaRPr lang="zh-CN" altLang="en-US"/>
           </a:p>
           <a:p>
             <a:pPr lvl="3"/>
@@ -739,6 +751,7 @@
               <a:rPr lang="zh-CN" altLang="en-US"/>
               <a:t>第四级</a:t>
             </a:r>
+            <a:endParaRPr lang="zh-CN" altLang="en-US"/>
           </a:p>
           <a:p>
             <a:pPr lvl="4"/>
@@ -746,6 +759,7 @@
               <a:rPr lang="zh-CN" altLang="en-US"/>
               <a:t>第五级</a:t>
             </a:r>
+            <a:endParaRPr lang="zh-CN" altLang="en-US"/>
           </a:p>
         </p:txBody>
       </p:sp>
@@ -766,7 +780,6 @@
           <a:p>
             <a:fld id="{D997B5FA-0921-464F-AAE1-844C04324D75}" type="datetimeFigureOut">
               <a:rPr lang="zh-CN" altLang="en-US" smtClean="0"/>
-              <a:t>2022/7/25</a:t>
             </a:fld>
             <a:endParaRPr lang="zh-CN" altLang="en-US"/>
           </a:p>
@@ -808,7 +821,6 @@
           <a:p>
             <a:fld id="{565CE74E-AB26-4998-AD42-012C4C1AD076}" type="slidenum">
               <a:rPr lang="zh-CN" altLang="en-US" smtClean="0"/>
-              <a:t>‹#›</a:t>
             </a:fld>
             <a:endParaRPr lang="zh-CN" altLang="en-US"/>
           </a:p>
@@ -867,6 +879,7 @@
               <a:rPr lang="zh-CN" altLang="en-US"/>
               <a:t>单击此处编辑母版标题样式</a:t>
             </a:r>
+            <a:endParaRPr lang="zh-CN" altLang="en-US"/>
           </a:p>
         </p:txBody>
       </p:sp>
@@ -986,6 +999,7 @@
               <a:rPr lang="zh-CN" altLang="en-US"/>
               <a:t>单击此处编辑母版文本样式</a:t>
             </a:r>
+            <a:endParaRPr lang="zh-CN" altLang="en-US"/>
           </a:p>
         </p:txBody>
       </p:sp>
@@ -1006,7 +1020,6 @@
           <a:p>
             <a:fld id="{D997B5FA-0921-464F-AAE1-844C04324D75}" type="datetimeFigureOut">
               <a:rPr lang="zh-CN" altLang="en-US" smtClean="0"/>
-              <a:t>2022/7/25</a:t>
             </a:fld>
             <a:endParaRPr lang="zh-CN" altLang="en-US"/>
           </a:p>
@@ -1048,7 +1061,6 @@
           <a:p>
             <a:fld id="{565CE74E-AB26-4998-AD42-012C4C1AD076}" type="slidenum">
               <a:rPr lang="zh-CN" altLang="en-US" smtClean="0"/>
-              <a:t>‹#›</a:t>
             </a:fld>
             <a:endParaRPr lang="zh-CN" altLang="en-US"/>
           </a:p>
@@ -1098,6 +1110,7 @@
               <a:rPr lang="zh-CN" altLang="en-US"/>
               <a:t>单击此处编辑母版标题样式</a:t>
             </a:r>
+            <a:endParaRPr lang="zh-CN" altLang="en-US"/>
           </a:p>
         </p:txBody>
       </p:sp>
@@ -1126,6 +1139,7 @@
               <a:rPr lang="zh-CN" altLang="en-US"/>
               <a:t>单击此处编辑母版文本样式</a:t>
             </a:r>
+            <a:endParaRPr lang="zh-CN" altLang="en-US"/>
           </a:p>
           <a:p>
             <a:pPr lvl="1"/>
@@ -1133,6 +1147,7 @@
               <a:rPr lang="zh-CN" altLang="en-US"/>
               <a:t>第二级</a:t>
             </a:r>
+            <a:endParaRPr lang="zh-CN" altLang="en-US"/>
           </a:p>
           <a:p>
             <a:pPr lvl="2"/>
@@ -1140,6 +1155,7 @@
               <a:rPr lang="zh-CN" altLang="en-US"/>
               <a:t>第三级</a:t>
             </a:r>
+            <a:endParaRPr lang="zh-CN" altLang="en-US"/>
           </a:p>
           <a:p>
             <a:pPr lvl="3"/>
@@ -1147,6 +1163,7 @@
               <a:rPr lang="zh-CN" altLang="en-US"/>
               <a:t>第四级</a:t>
             </a:r>
+            <a:endParaRPr lang="zh-CN" altLang="en-US"/>
           </a:p>
           <a:p>
             <a:pPr lvl="4"/>
@@ -1154,6 +1171,7 @@
               <a:rPr lang="zh-CN" altLang="en-US"/>
               <a:t>第五级</a:t>
             </a:r>
+            <a:endParaRPr lang="zh-CN" altLang="en-US"/>
           </a:p>
         </p:txBody>
       </p:sp>
@@ -1182,6 +1200,7 @@
               <a:rPr lang="zh-CN" altLang="en-US"/>
               <a:t>单击此处编辑母版文本样式</a:t>
             </a:r>
+            <a:endParaRPr lang="zh-CN" altLang="en-US"/>
           </a:p>
           <a:p>
             <a:pPr lvl="1"/>
@@ -1189,6 +1208,7 @@
               <a:rPr lang="zh-CN" altLang="en-US"/>
               <a:t>第二级</a:t>
             </a:r>
+            <a:endParaRPr lang="zh-CN" altLang="en-US"/>
           </a:p>
           <a:p>
             <a:pPr lvl="2"/>
@@ -1196,6 +1216,7 @@
               <a:rPr lang="zh-CN" altLang="en-US"/>
               <a:t>第三级</a:t>
             </a:r>
+            <a:endParaRPr lang="zh-CN" altLang="en-US"/>
           </a:p>
           <a:p>
             <a:pPr lvl="3"/>
@@ -1203,6 +1224,7 @@
               <a:rPr lang="zh-CN" altLang="en-US"/>
               <a:t>第四级</a:t>
             </a:r>
+            <a:endParaRPr lang="zh-CN" altLang="en-US"/>
           </a:p>
           <a:p>
             <a:pPr lvl="4"/>
@@ -1210,6 +1232,7 @@
               <a:rPr lang="zh-CN" altLang="en-US"/>
               <a:t>第五级</a:t>
             </a:r>
+            <a:endParaRPr lang="zh-CN" altLang="en-US"/>
           </a:p>
         </p:txBody>
       </p:sp>
@@ -1230,7 +1253,6 @@
           <a:p>
             <a:fld id="{D997B5FA-0921-464F-AAE1-844C04324D75}" type="datetimeFigureOut">
               <a:rPr lang="zh-CN" altLang="en-US" smtClean="0"/>
-              <a:t>2022/7/25</a:t>
             </a:fld>
             <a:endParaRPr lang="zh-CN" altLang="en-US"/>
           </a:p>
@@ -1272,7 +1294,6 @@
           <a:p>
             <a:fld id="{565CE74E-AB26-4998-AD42-012C4C1AD076}" type="slidenum">
               <a:rPr lang="zh-CN" altLang="en-US" smtClean="0"/>
-              <a:t>‹#›</a:t>
             </a:fld>
             <a:endParaRPr lang="zh-CN" altLang="en-US"/>
           </a:p>
@@ -1327,6 +1348,7 @@
               <a:rPr lang="zh-CN" altLang="en-US"/>
               <a:t>单击此处编辑母版标题样式</a:t>
             </a:r>
+            <a:endParaRPr lang="zh-CN" altLang="en-US"/>
           </a:p>
         </p:txBody>
       </p:sp>
@@ -1392,6 +1414,7 @@
               <a:rPr lang="zh-CN" altLang="en-US"/>
               <a:t>单击此处编辑母版文本样式</a:t>
             </a:r>
+            <a:endParaRPr lang="zh-CN" altLang="en-US"/>
           </a:p>
         </p:txBody>
       </p:sp>
@@ -1420,6 +1443,7 @@
               <a:rPr lang="zh-CN" altLang="en-US"/>
               <a:t>单击此处编辑母版文本样式</a:t>
             </a:r>
+            <a:endParaRPr lang="zh-CN" altLang="en-US"/>
           </a:p>
           <a:p>
             <a:pPr lvl="1"/>
@@ -1427,6 +1451,7 @@
               <a:rPr lang="zh-CN" altLang="en-US"/>
               <a:t>第二级</a:t>
             </a:r>
+            <a:endParaRPr lang="zh-CN" altLang="en-US"/>
           </a:p>
           <a:p>
             <a:pPr lvl="2"/>
@@ -1434,6 +1459,7 @@
               <a:rPr lang="zh-CN" altLang="en-US"/>
               <a:t>第三级</a:t>
             </a:r>
+            <a:endParaRPr lang="zh-CN" altLang="en-US"/>
           </a:p>
           <a:p>
             <a:pPr lvl="3"/>
@@ -1441,6 +1467,7 @@
               <a:rPr lang="zh-CN" altLang="en-US"/>
               <a:t>第四级</a:t>
             </a:r>
+            <a:endParaRPr lang="zh-CN" altLang="en-US"/>
           </a:p>
           <a:p>
             <a:pPr lvl="4"/>
@@ -1448,6 +1475,7 @@
               <a:rPr lang="zh-CN" altLang="en-US"/>
               <a:t>第五级</a:t>
             </a:r>
+            <a:endParaRPr lang="zh-CN" altLang="en-US"/>
           </a:p>
         </p:txBody>
       </p:sp>
@@ -1513,6 +1541,7 @@
               <a:rPr lang="zh-CN" altLang="en-US"/>
               <a:t>单击此处编辑母版文本样式</a:t>
             </a:r>
+            <a:endParaRPr lang="zh-CN" altLang="en-US"/>
           </a:p>
         </p:txBody>
       </p:sp>
@@ -1541,6 +1570,7 @@
               <a:rPr lang="zh-CN" altLang="en-US"/>
               <a:t>单击此处编辑母版文本样式</a:t>
             </a:r>
+            <a:endParaRPr lang="zh-CN" altLang="en-US"/>
           </a:p>
           <a:p>
             <a:pPr lvl="1"/>
@@ -1548,6 +1578,7 @@
               <a:rPr lang="zh-CN" altLang="en-US"/>
               <a:t>第二级</a:t>
             </a:r>
+            <a:endParaRPr lang="zh-CN" altLang="en-US"/>
           </a:p>
           <a:p>
             <a:pPr lvl="2"/>
@@ -1555,6 +1586,7 @@
               <a:rPr lang="zh-CN" altLang="en-US"/>
               <a:t>第三级</a:t>
             </a:r>
+            <a:endParaRPr lang="zh-CN" altLang="en-US"/>
           </a:p>
           <a:p>
             <a:pPr lvl="3"/>
@@ -1562,6 +1594,7 @@
               <a:rPr lang="zh-CN" altLang="en-US"/>
               <a:t>第四级</a:t>
             </a:r>
+            <a:endParaRPr lang="zh-CN" altLang="en-US"/>
           </a:p>
           <a:p>
             <a:pPr lvl="4"/>
@@ -1569,6 +1602,7 @@
               <a:rPr lang="zh-CN" altLang="en-US"/>
               <a:t>第五级</a:t>
             </a:r>
+            <a:endParaRPr lang="zh-CN" altLang="en-US"/>
           </a:p>
         </p:txBody>
       </p:sp>
@@ -1589,7 +1623,6 @@
           <a:p>
             <a:fld id="{D997B5FA-0921-464F-AAE1-844C04324D75}" type="datetimeFigureOut">
               <a:rPr lang="zh-CN" altLang="en-US" smtClean="0"/>
-              <a:t>2022/7/25</a:t>
             </a:fld>
             <a:endParaRPr lang="zh-CN" altLang="en-US"/>
           </a:p>
@@ -1631,7 +1664,6 @@
           <a:p>
             <a:fld id="{565CE74E-AB26-4998-AD42-012C4C1AD076}" type="slidenum">
               <a:rPr lang="zh-CN" altLang="en-US" smtClean="0"/>
-              <a:t>‹#›</a:t>
             </a:fld>
             <a:endParaRPr lang="zh-CN" altLang="en-US"/>
           </a:p>
@@ -1681,6 +1713,7 @@
               <a:rPr lang="zh-CN" altLang="en-US"/>
               <a:t>单击此处编辑母版标题样式</a:t>
             </a:r>
+            <a:endParaRPr lang="zh-CN" altLang="en-US"/>
           </a:p>
         </p:txBody>
       </p:sp>
@@ -1701,7 +1734,6 @@
           <a:p>
             <a:fld id="{D997B5FA-0921-464F-AAE1-844C04324D75}" type="datetimeFigureOut">
               <a:rPr lang="zh-CN" altLang="en-US" smtClean="0"/>
-              <a:t>2022/7/25</a:t>
             </a:fld>
             <a:endParaRPr lang="zh-CN" altLang="en-US"/>
           </a:p>
@@ -1743,7 +1775,6 @@
           <a:p>
             <a:fld id="{565CE74E-AB26-4998-AD42-012C4C1AD076}" type="slidenum">
               <a:rPr lang="zh-CN" altLang="en-US" smtClean="0"/>
-              <a:t>‹#›</a:t>
             </a:fld>
             <a:endParaRPr lang="zh-CN" altLang="en-US"/>
           </a:p>
@@ -1791,7 +1822,6 @@
           <a:p>
             <a:fld id="{D997B5FA-0921-464F-AAE1-844C04324D75}" type="datetimeFigureOut">
               <a:rPr lang="zh-CN" altLang="en-US" smtClean="0"/>
-              <a:t>2022/7/25</a:t>
             </a:fld>
             <a:endParaRPr lang="zh-CN" altLang="en-US"/>
           </a:p>
@@ -1833,7 +1863,6 @@
           <a:p>
             <a:fld id="{565CE74E-AB26-4998-AD42-012C4C1AD076}" type="slidenum">
               <a:rPr lang="zh-CN" altLang="en-US" smtClean="0"/>
-              <a:t>‹#›</a:t>
             </a:fld>
             <a:endParaRPr lang="zh-CN" altLang="en-US"/>
           </a:p>
@@ -1892,6 +1921,7 @@
               <a:rPr lang="zh-CN" altLang="en-US"/>
               <a:t>单击此处编辑母版标题样式</a:t>
             </a:r>
+            <a:endParaRPr lang="zh-CN" altLang="en-US"/>
           </a:p>
         </p:txBody>
       </p:sp>
@@ -1948,6 +1978,7 @@
               <a:rPr lang="zh-CN" altLang="en-US"/>
               <a:t>单击此处编辑母版文本样式</a:t>
             </a:r>
+            <a:endParaRPr lang="zh-CN" altLang="en-US"/>
           </a:p>
           <a:p>
             <a:pPr lvl="1"/>
@@ -1955,6 +1986,7 @@
               <a:rPr lang="zh-CN" altLang="en-US"/>
               <a:t>第二级</a:t>
             </a:r>
+            <a:endParaRPr lang="zh-CN" altLang="en-US"/>
           </a:p>
           <a:p>
             <a:pPr lvl="2"/>
@@ -1962,6 +1994,7 @@
               <a:rPr lang="zh-CN" altLang="en-US"/>
               <a:t>第三级</a:t>
             </a:r>
+            <a:endParaRPr lang="zh-CN" altLang="en-US"/>
           </a:p>
           <a:p>
             <a:pPr lvl="3"/>
@@ -1969,6 +2002,7 @@
               <a:rPr lang="zh-CN" altLang="en-US"/>
               <a:t>第四级</a:t>
             </a:r>
+            <a:endParaRPr lang="zh-CN" altLang="en-US"/>
           </a:p>
           <a:p>
             <a:pPr lvl="4"/>
@@ -1976,6 +2010,7 @@
               <a:rPr lang="zh-CN" altLang="en-US"/>
               <a:t>第五级</a:t>
             </a:r>
+            <a:endParaRPr lang="zh-CN" altLang="en-US"/>
           </a:p>
         </p:txBody>
       </p:sp>
@@ -2041,6 +2076,7 @@
               <a:rPr lang="zh-CN" altLang="en-US"/>
               <a:t>单击此处编辑母版文本样式</a:t>
             </a:r>
+            <a:endParaRPr lang="zh-CN" altLang="en-US"/>
           </a:p>
         </p:txBody>
       </p:sp>
@@ -2061,7 +2097,6 @@
           <a:p>
             <a:fld id="{D997B5FA-0921-464F-AAE1-844C04324D75}" type="datetimeFigureOut">
               <a:rPr lang="zh-CN" altLang="en-US" smtClean="0"/>
-              <a:t>2022/7/25</a:t>
             </a:fld>
             <a:endParaRPr lang="zh-CN" altLang="en-US"/>
           </a:p>
@@ -2103,7 +2138,6 @@
           <a:p>
             <a:fld id="{565CE74E-AB26-4998-AD42-012C4C1AD076}" type="slidenum">
               <a:rPr lang="zh-CN" altLang="en-US" smtClean="0"/>
-              <a:t>‹#›</a:t>
             </a:fld>
             <a:endParaRPr lang="zh-CN" altLang="en-US"/>
           </a:p>
@@ -2162,6 +2196,7 @@
               <a:rPr lang="zh-CN" altLang="en-US"/>
               <a:t>单击此处编辑母版标题样式</a:t>
             </a:r>
+            <a:endParaRPr lang="zh-CN" altLang="en-US"/>
           </a:p>
         </p:txBody>
       </p:sp>
@@ -2288,6 +2323,7 @@
               <a:rPr lang="zh-CN" altLang="en-US"/>
               <a:t>单击此处编辑母版文本样式</a:t>
             </a:r>
+            <a:endParaRPr lang="zh-CN" altLang="en-US"/>
           </a:p>
         </p:txBody>
       </p:sp>
@@ -2308,7 +2344,6 @@
           <a:p>
             <a:fld id="{D997B5FA-0921-464F-AAE1-844C04324D75}" type="datetimeFigureOut">
               <a:rPr lang="zh-CN" altLang="en-US" smtClean="0"/>
-              <a:t>2022/7/25</a:t>
             </a:fld>
             <a:endParaRPr lang="zh-CN" altLang="en-US"/>
           </a:p>
@@ -2350,7 +2385,6 @@
           <a:p>
             <a:fld id="{565CE74E-AB26-4998-AD42-012C4C1AD076}" type="slidenum">
               <a:rPr lang="zh-CN" altLang="en-US" smtClean="0"/>
-              <a:t>‹#›</a:t>
             </a:fld>
             <a:endParaRPr lang="zh-CN" altLang="en-US"/>
           </a:p>
@@ -2415,6 +2449,7 @@
               <a:rPr lang="zh-CN" altLang="en-US"/>
               <a:t>单击此处编辑母版标题样式</a:t>
             </a:r>
+            <a:endParaRPr lang="zh-CN" altLang="en-US"/>
           </a:p>
         </p:txBody>
       </p:sp>
@@ -2448,6 +2483,7 @@
               <a:rPr lang="zh-CN" altLang="en-US"/>
               <a:t>单击此处编辑母版文本样式</a:t>
             </a:r>
+            <a:endParaRPr lang="zh-CN" altLang="en-US"/>
           </a:p>
           <a:p>
             <a:pPr lvl="1"/>
@@ -2455,6 +2491,7 @@
               <a:rPr lang="zh-CN" altLang="en-US"/>
               <a:t>第二级</a:t>
             </a:r>
+            <a:endParaRPr lang="zh-CN" altLang="en-US"/>
           </a:p>
           <a:p>
             <a:pPr lvl="2"/>
@@ -2462,6 +2499,7 @@
               <a:rPr lang="zh-CN" altLang="en-US"/>
               <a:t>第三级</a:t>
             </a:r>
+            <a:endParaRPr lang="zh-CN" altLang="en-US"/>
           </a:p>
           <a:p>
             <a:pPr lvl="3"/>
@@ -2469,6 +2507,7 @@
               <a:rPr lang="zh-CN" altLang="en-US"/>
               <a:t>第四级</a:t>
             </a:r>
+            <a:endParaRPr lang="zh-CN" altLang="en-US"/>
           </a:p>
           <a:p>
             <a:pPr lvl="4"/>
@@ -2476,6 +2515,7 @@
               <a:rPr lang="zh-CN" altLang="en-US"/>
               <a:t>第五级</a:t>
             </a:r>
+            <a:endParaRPr lang="zh-CN" altLang="en-US"/>
           </a:p>
         </p:txBody>
       </p:sp>
@@ -2514,7 +2554,6 @@
           <a:p>
             <a:fld id="{D997B5FA-0921-464F-AAE1-844C04324D75}" type="datetimeFigureOut">
               <a:rPr lang="zh-CN" altLang="en-US" smtClean="0"/>
-              <a:t>2022/7/25</a:t>
             </a:fld>
             <a:endParaRPr lang="zh-CN" altLang="en-US"/>
           </a:p>
@@ -2592,7 +2631,6 @@
           <a:p>
             <a:fld id="{565CE74E-AB26-4998-AD42-012C4C1AD076}" type="slidenum">
               <a:rPr lang="zh-CN" altLang="en-US" smtClean="0"/>
-              <a:t>‹#›</a:t>
             </a:fld>
             <a:endParaRPr lang="zh-CN" altLang="en-US"/>
           </a:p>
@@ -2944,6 +2982,11 @@
               </a:rPr>
               <a:t>关于原数据格式的了解</a:t>
             </a:r>
+            <a:endParaRPr lang="zh-CN" altLang="en-US" sz="2800">
+              <a:solidFill>
+                <a:srgbClr val="FF0000"/>
+              </a:solidFill>
+            </a:endParaRPr>
           </a:p>
         </p:txBody>
       </p:sp>
@@ -3013,6 +3056,7 @@
               <a:rPr lang="en-US" altLang="zh-CN"/>
               <a:t>features</a:t>
             </a:r>
+            <a:endParaRPr lang="en-US" altLang="zh-CN"/>
           </a:p>
           <a:p>
             <a:r>
@@ -3021,13 +3065,13 @@
             </a:r>
             <a:r>
               <a:rPr lang="en-US" altLang="zh-CN">
-                <a:hlinkClick r:id="rId2" action="ppaction://hlinkfile"/>
+                <a:hlinkClick r:id="rId1" action="ppaction://hlinkfile"/>
               </a:rPr>
               <a:t>tfrecords</a:t>
             </a:r>
             <a:r>
               <a:rPr lang="zh-CN" altLang="en-US">
-                <a:hlinkClick r:id="rId2" action="ppaction://hlinkfile"/>
+                <a:hlinkClick r:id="rId1" action="ppaction://hlinkfile"/>
               </a:rPr>
               <a:t>文件的解压依赖于文件的生成</a:t>
             </a:r>
@@ -3051,6 +3095,7 @@
               <a:rPr lang="zh-CN" altLang="en-US"/>
               <a:t>，分别是</a:t>
             </a:r>
+            <a:endParaRPr lang="zh-CN" altLang="en-US"/>
           </a:p>
           <a:p>
             <a:r>
@@ -3093,6 +3138,7 @@
               <a:rPr lang="zh-CN" altLang="en-US"/>
               <a:t>文件，后者是写入</a:t>
             </a:r>
+            <a:endParaRPr lang="zh-CN" altLang="en-US"/>
           </a:p>
           <a:p>
             <a:r>
@@ -3103,6 +3149,7 @@
               <a:rPr lang="zh-CN" altLang="en-US"/>
               <a:t>文件。</a:t>
             </a:r>
+            <a:endParaRPr lang="zh-CN" altLang="en-US"/>
           </a:p>
         </p:txBody>
       </p:sp>
@@ -3113,7 +3160,7 @@
           <p:nvPr/>
         </p:nvPicPr>
         <p:blipFill>
-          <a:blip r:embed="rId3"/>
+          <a:blip r:embed="rId2"/>
           <a:stretch>
             <a:fillRect/>
           </a:stretch>
@@ -3141,7 +3188,7 @@
           <p:nvPr/>
         </p:nvPicPr>
         <p:blipFill>
-          <a:blip r:embed="rId4"/>
+          <a:blip r:embed="rId3"/>
           <a:stretch>
             <a:fillRect/>
           </a:stretch>
@@ -3165,7 +3212,7 @@
           <p:nvPr/>
         </p:nvPicPr>
         <p:blipFill>
-          <a:blip r:embed="rId5"/>
+          <a:blip r:embed="rId4"/>
           <a:stretch>
             <a:fillRect/>
           </a:stretch>
@@ -3259,7 +3306,7 @@
           <p:nvPr/>
         </p:nvPicPr>
         <p:blipFill>
-          <a:blip r:embed="rId2"/>
+          <a:blip r:embed="rId1"/>
           <a:stretch>
             <a:fillRect/>
           </a:stretch>
@@ -3283,7 +3330,7 @@
           <p:nvPr/>
         </p:nvPicPr>
         <p:blipFill>
-          <a:blip r:embed="rId3"/>
+          <a:blip r:embed="rId2"/>
           <a:stretch>
             <a:fillRect/>
           </a:stretch>
@@ -3307,7 +3354,7 @@
           <p:nvPr/>
         </p:nvPicPr>
         <p:blipFill>
-          <a:blip r:embed="rId4"/>
+          <a:blip r:embed="rId3"/>
           <a:stretch>
             <a:fillRect/>
           </a:stretch>
@@ -3331,7 +3378,7 @@
           <p:nvPr/>
         </p:nvPicPr>
         <p:blipFill>
-          <a:blip r:embed="rId5"/>
+          <a:blip r:embed="rId4"/>
           <a:stretch>
             <a:fillRect/>
           </a:stretch>
@@ -3355,7 +3402,7 @@
           <p:nvPr/>
         </p:nvPicPr>
         <p:blipFill>
-          <a:blip r:embed="rId6"/>
+          <a:blip r:embed="rId5"/>
           <a:stretch>
             <a:fillRect/>
           </a:stretch>
@@ -3379,7 +3426,7 @@
           <p:nvPr/>
         </p:nvPicPr>
         <p:blipFill>
-          <a:blip r:embed="rId7"/>
+          <a:blip r:embed="rId6"/>
           <a:stretch>
             <a:fillRect/>
           </a:stretch>
@@ -3403,7 +3450,7 @@
           <p:nvPr/>
         </p:nvPicPr>
         <p:blipFill>
-          <a:blip r:embed="rId7"/>
+          <a:blip r:embed="rId6"/>
           <a:stretch>
             <a:fillRect/>
           </a:stretch>
@@ -3542,6 +3589,7 @@
               <a:rPr lang="en-US" altLang="zh-CN"/>
               <a:t>mask_cline</a:t>
             </a:r>
+            <a:endParaRPr lang="en-US" altLang="zh-CN"/>
           </a:p>
         </p:txBody>
       </p:sp>
@@ -3689,6 +3737,7 @@
               <a:rPr lang="zh-CN" altLang="en-US"/>
               <a:t>显示七个定义输入节点的图</a:t>
             </a:r>
+            <a:endParaRPr lang="zh-CN" altLang="en-US"/>
           </a:p>
         </p:txBody>
       </p:sp>
@@ -3701,7 +3750,7 @@
           <p:nvPr/>
         </p:nvPicPr>
         <p:blipFill>
-          <a:blip r:embed="rId2"/>
+          <a:blip r:embed="rId1"/>
           <a:srcRect/>
           <a:stretch>
             <a:fillRect/>
@@ -3726,7 +3775,7 @@
           <p:nvPr/>
         </p:nvPicPr>
         <p:blipFill>
-          <a:blip r:embed="rId3"/>
+          <a:blip r:embed="rId2"/>
           <a:srcRect/>
           <a:stretch>
             <a:fillRect/>
@@ -3751,7 +3800,7 @@
           <p:nvPr/>
         </p:nvPicPr>
         <p:blipFill>
-          <a:blip r:embed="rId4"/>
+          <a:blip r:embed="rId3"/>
           <a:srcRect/>
           <a:stretch>
             <a:fillRect/>
@@ -3776,7 +3825,7 @@
           <p:nvPr/>
         </p:nvPicPr>
         <p:blipFill>
-          <a:blip r:embed="rId5"/>
+          <a:blip r:embed="rId4"/>
           <a:srcRect/>
           <a:stretch>
             <a:fillRect/>
@@ -3801,7 +3850,7 @@
           <p:nvPr/>
         </p:nvPicPr>
         <p:blipFill>
-          <a:blip r:embed="rId6"/>
+          <a:blip r:embed="rId5"/>
           <a:srcRect/>
           <a:stretch>
             <a:fillRect/>
@@ -3826,7 +3875,7 @@
           <p:nvPr/>
         </p:nvPicPr>
         <p:blipFill>
-          <a:blip r:embed="rId7"/>
+          <a:blip r:embed="rId6"/>
           <a:srcRect/>
           <a:stretch>
             <a:fillRect/>
@@ -3851,7 +3900,7 @@
           <p:nvPr/>
         </p:nvPicPr>
         <p:blipFill>
-          <a:blip r:embed="rId8"/>
+          <a:blip r:embed="rId7"/>
           <a:srcRect/>
           <a:stretch>
             <a:fillRect/>
@@ -3876,7 +3925,7 @@
           <p:nvPr/>
         </p:nvPicPr>
         <p:blipFill>
-          <a:blip r:embed="rId9"/>
+          <a:blip r:embed="rId8"/>
           <a:srcRect/>
           <a:stretch>
             <a:fillRect/>
@@ -3901,7 +3950,7 @@
           <p:nvPr/>
         </p:nvPicPr>
         <p:blipFill>
-          <a:blip r:embed="rId10"/>
+          <a:blip r:embed="rId9"/>
           <a:srcRect/>
           <a:stretch>
             <a:fillRect/>
@@ -3947,6 +3996,7 @@
               <a:rPr lang="zh-CN" altLang="en-US"/>
               <a:t>置信度</a:t>
             </a:r>
+            <a:endParaRPr lang="zh-CN" altLang="en-US"/>
           </a:p>
         </p:txBody>
       </p:sp>
@@ -3980,6 +4030,7 @@
               <a:rPr lang="zh-CN" altLang="en-US"/>
               <a:t>预测深度</a:t>
             </a:r>
+            <a:endParaRPr lang="zh-CN" altLang="en-US"/>
           </a:p>
         </p:txBody>
       </p:sp>
@@ -4013,6 +4064,7 @@
               <a:rPr lang="en-US" altLang="zh-CN"/>
               <a:t>a</a:t>
             </a:r>
+            <a:endParaRPr lang="en-US" altLang="zh-CN"/>
           </a:p>
         </p:txBody>
       </p:sp>
@@ -4046,6 +4098,7 @@
               <a:rPr lang="en-US" altLang="zh-CN"/>
               <a:t>b</a:t>
             </a:r>
+            <a:endParaRPr lang="en-US" altLang="zh-CN"/>
           </a:p>
         </p:txBody>
       </p:sp>
@@ -4075,6 +4128,7 @@
               <a:rPr lang="zh-CN"/>
               <a:t>预测法线</a:t>
             </a:r>
+            <a:endParaRPr lang="zh-CN"/>
           </a:p>
         </p:txBody>
       </p:sp>
@@ -4108,6 +4162,7 @@
               <a:rPr lang="zh-CN" altLang="en-US"/>
               <a:t>实际深度</a:t>
             </a:r>
+            <a:endParaRPr lang="zh-CN" altLang="en-US"/>
           </a:p>
         </p:txBody>
       </p:sp>
@@ -4145,6 +4200,7 @@
               <a:rPr lang="en-US" altLang="zh-CN"/>
               <a:t>a</a:t>
             </a:r>
+            <a:endParaRPr lang="en-US" altLang="zh-CN"/>
           </a:p>
         </p:txBody>
       </p:sp>
@@ -4178,6 +4234,7 @@
               <a:rPr lang="en-US" altLang="zh-CN"/>
               <a:t>b</a:t>
             </a:r>
+            <a:endParaRPr lang="en-US" altLang="zh-CN"/>
           </a:p>
         </p:txBody>
       </p:sp>
@@ -4211,6 +4268,7 @@
               <a:rPr lang="zh-CN" altLang="en-US"/>
               <a:t>实际法线</a:t>
             </a:r>
+            <a:endParaRPr lang="zh-CN" altLang="en-US"/>
           </a:p>
         </p:txBody>
       </p:sp>
@@ -4297,6 +4355,7 @@
               <a:rPr lang="zh-CN" altLang="en-US"/>
               <a:t>项保留</a:t>
             </a:r>
+            <a:endParaRPr lang="zh-CN" altLang="en-US"/>
           </a:p>
         </p:txBody>
       </p:sp>
@@ -4309,7 +4368,7 @@
           <p:nvPr/>
         </p:nvPicPr>
         <p:blipFill>
-          <a:blip r:embed="rId2"/>
+          <a:blip r:embed="rId1"/>
           <a:srcRect/>
           <a:stretch>
             <a:fillRect/>
@@ -4334,7 +4393,7 @@
           <p:nvPr/>
         </p:nvPicPr>
         <p:blipFill>
-          <a:blip r:embed="rId3"/>
+          <a:blip r:embed="rId2"/>
           <a:srcRect/>
           <a:stretch>
             <a:fillRect/>
@@ -4359,7 +4418,7 @@
           <p:nvPr/>
         </p:nvPicPr>
         <p:blipFill>
-          <a:blip r:embed="rId3"/>
+          <a:blip r:embed="rId2"/>
           <a:srcRect/>
           <a:stretch>
             <a:fillRect/>
@@ -4384,7 +4443,7 @@
           <p:nvPr/>
         </p:nvPicPr>
         <p:blipFill>
-          <a:blip r:embed="rId4"/>
+          <a:blip r:embed="rId3"/>
           <a:srcRect/>
           <a:stretch>
             <a:fillRect/>
@@ -4409,7 +4468,7 @@
           <p:nvPr/>
         </p:nvPicPr>
         <p:blipFill>
-          <a:blip r:embed="rId5"/>
+          <a:blip r:embed="rId4"/>
           <a:stretch>
             <a:fillRect/>
           </a:stretch>
@@ -4433,7 +4492,7 @@
           <p:nvPr/>
         </p:nvPicPr>
         <p:blipFill>
-          <a:blip r:embed="rId6"/>
+          <a:blip r:embed="rId5"/>
           <a:stretch>
             <a:fillRect/>
           </a:stretch>
@@ -4457,7 +4516,7 @@
           <p:nvPr/>
         </p:nvPicPr>
         <p:blipFill>
-          <a:blip r:embed="rId6"/>
+          <a:blip r:embed="rId5"/>
           <a:stretch>
             <a:fillRect/>
           </a:stretch>
@@ -4502,6 +4561,7 @@
               <a:rPr lang="zh-CN" altLang="en-US"/>
               <a:t>npr</a:t>
             </a:r>
+            <a:endParaRPr lang="zh-CN" altLang="en-US"/>
           </a:p>
         </p:txBody>
       </p:sp>
@@ -4591,6 +4651,7 @@
               <a:rPr lang="en-US" altLang="zh-CN"/>
               <a:t>mask_cline</a:t>
             </a:r>
+            <a:endParaRPr lang="en-US" altLang="zh-CN"/>
           </a:p>
         </p:txBody>
       </p:sp>
@@ -4794,7 +4855,7 @@
           <p:nvPr/>
         </p:nvPicPr>
         <p:blipFill>
-          <a:blip r:embed="rId2"/>
+          <a:blip r:embed="rId1"/>
           <a:srcRect/>
           <a:stretch>
             <a:fillRect/>
@@ -4819,7 +4880,7 @@
           <p:nvPr/>
         </p:nvPicPr>
         <p:blipFill>
-          <a:blip r:embed="rId3"/>
+          <a:blip r:embed="rId2"/>
           <a:srcRect/>
           <a:stretch>
             <a:fillRect/>
@@ -4844,7 +4905,7 @@
           <p:nvPr/>
         </p:nvPicPr>
         <p:blipFill>
-          <a:blip r:embed="rId4"/>
+          <a:blip r:embed="rId3"/>
           <a:srcRect/>
           <a:stretch>
             <a:fillRect/>
@@ -4869,7 +4930,7 @@
           <p:nvPr/>
         </p:nvPicPr>
         <p:blipFill>
-          <a:blip r:embed="rId5"/>
+          <a:blip r:embed="rId4"/>
           <a:srcRect/>
           <a:stretch>
             <a:fillRect/>
@@ -4894,7 +4955,7 @@
           <p:nvPr/>
         </p:nvPicPr>
         <p:blipFill>
-          <a:blip r:embed="rId6"/>
+          <a:blip r:embed="rId5"/>
           <a:srcRect/>
           <a:stretch>
             <a:fillRect/>
@@ -4919,7 +4980,7 @@
           <p:nvPr/>
         </p:nvPicPr>
         <p:blipFill>
-          <a:blip r:embed="rId7"/>
+          <a:blip r:embed="rId6"/>
           <a:srcRect/>
           <a:stretch>
             <a:fillRect/>
@@ -4944,7 +5005,7 @@
           <p:nvPr/>
         </p:nvPicPr>
         <p:blipFill>
-          <a:blip r:embed="rId8"/>
+          <a:blip r:embed="rId7"/>
           <a:srcRect/>
           <a:stretch>
             <a:fillRect/>
@@ -4969,7 +5030,7 @@
           <p:nvPr/>
         </p:nvPicPr>
         <p:blipFill>
-          <a:blip r:embed="rId9"/>
+          <a:blip r:embed="rId8"/>
           <a:srcRect/>
           <a:stretch>
             <a:fillRect/>
@@ -4994,7 +5055,7 @@
           <p:nvPr/>
         </p:nvPicPr>
         <p:blipFill>
-          <a:blip r:embed="rId10"/>
+          <a:blip r:embed="rId9"/>
           <a:srcRect/>
           <a:stretch>
             <a:fillRect/>
@@ -5040,6 +5101,7 @@
               <a:rPr lang="zh-CN" altLang="en-US"/>
               <a:t>置信度</a:t>
             </a:r>
+            <a:endParaRPr lang="zh-CN" altLang="en-US"/>
           </a:p>
         </p:txBody>
       </p:sp>
@@ -5073,6 +5135,7 @@
               <a:rPr lang="zh-CN" altLang="en-US"/>
               <a:t>预测深度</a:t>
             </a:r>
+            <a:endParaRPr lang="zh-CN" altLang="en-US"/>
           </a:p>
         </p:txBody>
       </p:sp>
@@ -5106,6 +5169,7 @@
               <a:rPr lang="en-US" altLang="zh-CN"/>
               <a:t>a</a:t>
             </a:r>
+            <a:endParaRPr lang="en-US" altLang="zh-CN"/>
           </a:p>
         </p:txBody>
       </p:sp>
@@ -5139,6 +5203,7 @@
               <a:rPr lang="en-US" altLang="zh-CN"/>
               <a:t>b</a:t>
             </a:r>
+            <a:endParaRPr lang="en-US" altLang="zh-CN"/>
           </a:p>
         </p:txBody>
       </p:sp>
@@ -5168,6 +5233,7 @@
               <a:rPr lang="zh-CN"/>
               <a:t>预测法线</a:t>
             </a:r>
+            <a:endParaRPr lang="zh-CN"/>
           </a:p>
         </p:txBody>
       </p:sp>
@@ -5201,6 +5267,7 @@
               <a:rPr lang="zh-CN" altLang="en-US"/>
               <a:t>实际深度</a:t>
             </a:r>
+            <a:endParaRPr lang="zh-CN" altLang="en-US"/>
           </a:p>
         </p:txBody>
       </p:sp>
@@ -5238,6 +5305,7 @@
               <a:rPr lang="en-US" altLang="zh-CN"/>
               <a:t>a</a:t>
             </a:r>
+            <a:endParaRPr lang="en-US" altLang="zh-CN"/>
           </a:p>
         </p:txBody>
       </p:sp>
@@ -5271,6 +5339,7 @@
               <a:rPr lang="en-US" altLang="zh-CN"/>
               <a:t>b</a:t>
             </a:r>
+            <a:endParaRPr lang="en-US" altLang="zh-CN"/>
           </a:p>
         </p:txBody>
       </p:sp>
@@ -5304,6 +5373,7 @@
               <a:rPr lang="zh-CN" altLang="en-US"/>
               <a:t>实际法线</a:t>
             </a:r>
+            <a:endParaRPr lang="zh-CN" altLang="en-US"/>
           </a:p>
         </p:txBody>
       </p:sp>
@@ -5379,6 +5449,9 @@
               </a:rPr>
               <a:t>以及未显示的三项</a:t>
             </a:r>
+            <a:endParaRPr lang="zh-CN" altLang="en-US">
+              <a:sym typeface="+mn-ea"/>
+            </a:endParaRPr>
           </a:p>
         </p:txBody>
       </p:sp>
@@ -5391,7 +5464,7 @@
           <p:nvPr/>
         </p:nvPicPr>
         <p:blipFill>
-          <a:blip r:embed="rId2"/>
+          <a:blip r:embed="rId1"/>
           <a:srcRect/>
           <a:stretch>
             <a:fillRect/>
@@ -5416,7 +5489,7 @@
           <p:nvPr/>
         </p:nvPicPr>
         <p:blipFill>
-          <a:blip r:embed="rId3"/>
+          <a:blip r:embed="rId2"/>
           <a:srcRect/>
           <a:stretch>
             <a:fillRect/>
@@ -5441,7 +5514,7 @@
           <p:nvPr/>
         </p:nvPicPr>
         <p:blipFill>
-          <a:blip r:embed="rId3"/>
+          <a:blip r:embed="rId2"/>
           <a:srcRect/>
           <a:stretch>
             <a:fillRect/>
@@ -5466,7 +5539,7 @@
           <p:nvPr/>
         </p:nvPicPr>
         <p:blipFill>
-          <a:blip r:embed="rId3"/>
+          <a:blip r:embed="rId2"/>
           <a:srcRect/>
           <a:stretch>
             <a:fillRect/>
@@ -5491,7 +5564,7 @@
           <p:nvPr/>
         </p:nvPicPr>
         <p:blipFill>
-          <a:blip r:embed="rId3"/>
+          <a:blip r:embed="rId2"/>
           <a:srcRect/>
           <a:stretch>
             <a:fillRect/>
@@ -5516,7 +5589,7 @@
           <p:nvPr/>
         </p:nvPicPr>
         <p:blipFill>
-          <a:blip r:embed="rId3"/>
+          <a:blip r:embed="rId2"/>
           <a:stretch>
             <a:fillRect/>
           </a:stretch>
@@ -5540,7 +5613,7 @@
           <p:nvPr/>
         </p:nvPicPr>
         <p:blipFill>
-          <a:blip r:embed="rId3"/>
+          <a:blip r:embed="rId2"/>
           <a:stretch>
             <a:fillRect/>
           </a:stretch>
@@ -5585,6 +5658,7 @@
               <a:rPr lang="zh-CN" altLang="en-US"/>
               <a:t>npr</a:t>
             </a:r>
+            <a:endParaRPr lang="zh-CN" altLang="en-US"/>
           </a:p>
         </p:txBody>
       </p:sp>
@@ -5674,6 +5748,7 @@
               <a:rPr lang="en-US" altLang="zh-CN"/>
               <a:t>mask_cline</a:t>
             </a:r>
+            <a:endParaRPr lang="en-US" altLang="zh-CN"/>
           </a:p>
         </p:txBody>
       </p:sp>
@@ -5847,7 +5922,7 @@
           <p:nvPr/>
         </p:nvPicPr>
         <p:blipFill>
-          <a:blip r:embed="rId2"/>
+          <a:blip r:embed="rId1"/>
           <a:srcRect/>
           <a:stretch>
             <a:fillRect/>
@@ -5872,7 +5947,7 @@
           <p:nvPr/>
         </p:nvPicPr>
         <p:blipFill>
-          <a:blip r:embed="rId3"/>
+          <a:blip r:embed="rId2"/>
           <a:srcRect/>
           <a:stretch>
             <a:fillRect/>
@@ -5897,7 +5972,7 @@
           <p:nvPr/>
         </p:nvPicPr>
         <p:blipFill>
-          <a:blip r:embed="rId4"/>
+          <a:blip r:embed="rId3"/>
           <a:srcRect/>
           <a:stretch>
             <a:fillRect/>
@@ -5922,7 +5997,7 @@
           <p:nvPr/>
         </p:nvPicPr>
         <p:blipFill>
-          <a:blip r:embed="rId4"/>
+          <a:blip r:embed="rId3"/>
           <a:srcRect/>
           <a:stretch>
             <a:fillRect/>
@@ -5947,7 +6022,7 @@
           <p:nvPr/>
         </p:nvPicPr>
         <p:blipFill>
-          <a:blip r:embed="rId5"/>
+          <a:blip r:embed="rId4"/>
           <a:srcRect/>
           <a:stretch>
             <a:fillRect/>
@@ -5972,7 +6047,7 @@
           <p:nvPr/>
         </p:nvPicPr>
         <p:blipFill>
-          <a:blip r:embed="rId6"/>
+          <a:blip r:embed="rId5"/>
           <a:srcRect/>
           <a:stretch>
             <a:fillRect/>
@@ -5997,7 +6072,7 @@
           <p:nvPr/>
         </p:nvPicPr>
         <p:blipFill>
-          <a:blip r:embed="rId4"/>
+          <a:blip r:embed="rId3"/>
           <a:srcRect/>
           <a:stretch>
             <a:fillRect/>
@@ -6022,7 +6097,7 @@
           <p:nvPr/>
         </p:nvPicPr>
         <p:blipFill>
-          <a:blip r:embed="rId4"/>
+          <a:blip r:embed="rId3"/>
           <a:srcRect/>
           <a:stretch>
             <a:fillRect/>
@@ -6047,7 +6122,7 @@
           <p:nvPr/>
         </p:nvPicPr>
         <p:blipFill>
-          <a:blip r:embed="rId7"/>
+          <a:blip r:embed="rId6"/>
           <a:srcRect/>
           <a:stretch>
             <a:fillRect/>
@@ -6093,6 +6168,7 @@
               <a:rPr lang="zh-CN" altLang="en-US"/>
               <a:t>置信度</a:t>
             </a:r>
+            <a:endParaRPr lang="zh-CN" altLang="en-US"/>
           </a:p>
         </p:txBody>
       </p:sp>
@@ -6126,6 +6202,7 @@
               <a:rPr lang="zh-CN" altLang="en-US"/>
               <a:t>预测深度</a:t>
             </a:r>
+            <a:endParaRPr lang="zh-CN" altLang="en-US"/>
           </a:p>
         </p:txBody>
       </p:sp>
@@ -6159,6 +6236,7 @@
               <a:rPr lang="en-US" altLang="zh-CN"/>
               <a:t>a</a:t>
             </a:r>
+            <a:endParaRPr lang="en-US" altLang="zh-CN"/>
           </a:p>
         </p:txBody>
       </p:sp>
@@ -6192,6 +6270,7 @@
               <a:rPr lang="en-US" altLang="zh-CN"/>
               <a:t>b</a:t>
             </a:r>
+            <a:endParaRPr lang="en-US" altLang="zh-CN"/>
           </a:p>
         </p:txBody>
       </p:sp>
@@ -6221,6 +6300,7 @@
               <a:rPr lang="zh-CN"/>
               <a:t>预测法线</a:t>
             </a:r>
+            <a:endParaRPr lang="zh-CN"/>
           </a:p>
         </p:txBody>
       </p:sp>
@@ -6254,6 +6334,7 @@
               <a:rPr lang="zh-CN" altLang="en-US"/>
               <a:t>实际深度</a:t>
             </a:r>
+            <a:endParaRPr lang="zh-CN" altLang="en-US"/>
           </a:p>
         </p:txBody>
       </p:sp>
@@ -6291,6 +6372,7 @@
               <a:rPr lang="en-US" altLang="zh-CN"/>
               <a:t>a</a:t>
             </a:r>
+            <a:endParaRPr lang="en-US" altLang="zh-CN"/>
           </a:p>
         </p:txBody>
       </p:sp>
@@ -6324,6 +6406,7 @@
               <a:rPr lang="en-US" altLang="zh-CN"/>
               <a:t>b</a:t>
             </a:r>
+            <a:endParaRPr lang="en-US" altLang="zh-CN"/>
           </a:p>
         </p:txBody>
       </p:sp>
@@ -6357,6 +6440,7 @@
               <a:rPr lang="zh-CN" altLang="en-US"/>
               <a:t>实际法线</a:t>
             </a:r>
+            <a:endParaRPr lang="zh-CN" altLang="en-US"/>
           </a:p>
         </p:txBody>
       </p:sp>
@@ -6419,6 +6503,7 @@
               <a:rPr lang="zh-CN" altLang="en-US"/>
               <a:t>及没显示的三项</a:t>
             </a:r>
+            <a:endParaRPr lang="zh-CN" altLang="en-US"/>
           </a:p>
         </p:txBody>
       </p:sp>
@@ -6431,7 +6516,7 @@
           <p:nvPr/>
         </p:nvPicPr>
         <p:blipFill>
-          <a:blip r:embed="rId2"/>
+          <a:blip r:embed="rId1"/>
           <a:srcRect/>
           <a:stretch>
             <a:fillRect/>
@@ -6456,7 +6541,7 @@
           <p:nvPr/>
         </p:nvPicPr>
         <p:blipFill>
-          <a:blip r:embed="rId3"/>
+          <a:blip r:embed="rId2"/>
           <a:stretch>
             <a:fillRect/>
           </a:stretch>
@@ -6480,7 +6565,7 @@
           <p:nvPr/>
         </p:nvPicPr>
         <p:blipFill>
-          <a:blip r:embed="rId4"/>
+          <a:blip r:embed="rId3"/>
           <a:stretch>
             <a:fillRect/>
           </a:stretch>
@@ -6504,7 +6589,7 @@
           <p:nvPr/>
         </p:nvPicPr>
         <p:blipFill>
-          <a:blip r:embed="rId5"/>
+          <a:blip r:embed="rId4"/>
           <a:srcRect/>
           <a:stretch>
             <a:fillRect/>
@@ -6529,7 +6614,7 @@
           <p:nvPr/>
         </p:nvPicPr>
         <p:blipFill>
-          <a:blip r:embed="rId5"/>
+          <a:blip r:embed="rId4"/>
           <a:srcRect/>
           <a:stretch>
             <a:fillRect/>
@@ -6554,7 +6639,7 @@
           <p:nvPr/>
         </p:nvPicPr>
         <p:blipFill>
-          <a:blip r:embed="rId5"/>
+          <a:blip r:embed="rId4"/>
           <a:stretch>
             <a:fillRect/>
           </a:stretch>
@@ -6578,7 +6663,7 @@
           <p:nvPr/>
         </p:nvPicPr>
         <p:blipFill>
-          <a:blip r:embed="rId5"/>
+          <a:blip r:embed="rId4"/>
           <a:stretch>
             <a:fillRect/>
           </a:stretch>
@@ -6623,6 +6708,7 @@
               <a:rPr lang="zh-CN" altLang="en-US"/>
               <a:t>npr</a:t>
             </a:r>
+            <a:endParaRPr lang="zh-CN" altLang="en-US"/>
           </a:p>
         </p:txBody>
       </p:sp>
@@ -6712,6 +6798,7 @@
               <a:rPr lang="en-US" altLang="zh-CN"/>
               <a:t>mask_cline</a:t>
             </a:r>
+            <a:endParaRPr lang="en-US" altLang="zh-CN"/>
           </a:p>
         </p:txBody>
       </p:sp>
@@ -6879,7 +6966,7 @@
           <p:nvPr/>
         </p:nvPicPr>
         <p:blipFill>
-          <a:blip r:embed="rId2"/>
+          <a:blip r:embed="rId1"/>
           <a:srcRect/>
           <a:stretch>
             <a:fillRect/>
@@ -6904,7 +6991,7 @@
           <p:nvPr/>
         </p:nvPicPr>
         <p:blipFill>
-          <a:blip r:embed="rId3"/>
+          <a:blip r:embed="rId2"/>
           <a:srcRect/>
           <a:stretch>
             <a:fillRect/>
@@ -6929,7 +7016,7 @@
           <p:nvPr/>
         </p:nvPicPr>
         <p:blipFill>
-          <a:blip r:embed="rId4"/>
+          <a:blip r:embed="rId3"/>
           <a:srcRect/>
           <a:stretch>
             <a:fillRect/>
@@ -6954,7 +7041,7 @@
           <p:nvPr/>
         </p:nvPicPr>
         <p:blipFill>
-          <a:blip r:embed="rId4"/>
+          <a:blip r:embed="rId3"/>
           <a:srcRect/>
           <a:stretch>
             <a:fillRect/>
@@ -6979,7 +7066,7 @@
           <p:nvPr/>
         </p:nvPicPr>
         <p:blipFill>
-          <a:blip r:embed="rId5"/>
+          <a:blip r:embed="rId4"/>
           <a:srcRect/>
           <a:stretch>
             <a:fillRect/>
@@ -7004,7 +7091,7 @@
           <p:nvPr/>
         </p:nvPicPr>
         <p:blipFill>
-          <a:blip r:embed="rId6"/>
+          <a:blip r:embed="rId5"/>
           <a:srcRect/>
           <a:stretch>
             <a:fillRect/>
@@ -7029,7 +7116,7 @@
           <p:nvPr/>
         </p:nvPicPr>
         <p:blipFill>
-          <a:blip r:embed="rId4"/>
+          <a:blip r:embed="rId3"/>
           <a:srcRect/>
           <a:stretch>
             <a:fillRect/>
@@ -7054,7 +7141,7 @@
           <p:nvPr/>
         </p:nvPicPr>
         <p:blipFill>
-          <a:blip r:embed="rId4"/>
+          <a:blip r:embed="rId3"/>
           <a:srcRect/>
           <a:stretch>
             <a:fillRect/>
@@ -7079,7 +7166,7 @@
           <p:nvPr/>
         </p:nvPicPr>
         <p:blipFill>
-          <a:blip r:embed="rId7"/>
+          <a:blip r:embed="rId6"/>
           <a:srcRect/>
           <a:stretch>
             <a:fillRect/>
@@ -7125,6 +7212,7 @@
               <a:rPr lang="zh-CN" altLang="en-US"/>
               <a:t>置信度</a:t>
             </a:r>
+            <a:endParaRPr lang="zh-CN" altLang="en-US"/>
           </a:p>
         </p:txBody>
       </p:sp>
@@ -7158,6 +7246,7 @@
               <a:rPr lang="zh-CN" altLang="en-US"/>
               <a:t>预测深度</a:t>
             </a:r>
+            <a:endParaRPr lang="zh-CN" altLang="en-US"/>
           </a:p>
         </p:txBody>
       </p:sp>
@@ -7191,6 +7280,7 @@
               <a:rPr lang="en-US" altLang="zh-CN"/>
               <a:t>a</a:t>
             </a:r>
+            <a:endParaRPr lang="en-US" altLang="zh-CN"/>
           </a:p>
         </p:txBody>
       </p:sp>
@@ -7224,6 +7314,7 @@
               <a:rPr lang="en-US" altLang="zh-CN"/>
               <a:t>b</a:t>
             </a:r>
+            <a:endParaRPr lang="en-US" altLang="zh-CN"/>
           </a:p>
         </p:txBody>
       </p:sp>
@@ -7253,6 +7344,7 @@
               <a:rPr lang="zh-CN"/>
               <a:t>预测法线</a:t>
             </a:r>
+            <a:endParaRPr lang="zh-CN"/>
           </a:p>
         </p:txBody>
       </p:sp>
@@ -7286,6 +7378,7 @@
               <a:rPr lang="zh-CN" altLang="en-US"/>
               <a:t>实际深度</a:t>
             </a:r>
+            <a:endParaRPr lang="zh-CN" altLang="en-US"/>
           </a:p>
         </p:txBody>
       </p:sp>
@@ -7323,6 +7416,7 @@
               <a:rPr lang="en-US" altLang="zh-CN"/>
               <a:t>a</a:t>
             </a:r>
+            <a:endParaRPr lang="en-US" altLang="zh-CN"/>
           </a:p>
         </p:txBody>
       </p:sp>
@@ -7356,6 +7450,7 @@
               <a:rPr lang="en-US" altLang="zh-CN"/>
               <a:t>b</a:t>
             </a:r>
+            <a:endParaRPr lang="en-US" altLang="zh-CN"/>
           </a:p>
         </p:txBody>
       </p:sp>
@@ -7389,6 +7484,7 @@
               <a:rPr lang="zh-CN" altLang="en-US"/>
               <a:t>实际法线</a:t>
             </a:r>
+            <a:endParaRPr lang="zh-CN" altLang="en-US"/>
           </a:p>
         </p:txBody>
       </p:sp>
@@ -7443,6 +7539,7 @@
               <a:rPr lang="zh-CN" altLang="en-US"/>
               <a:t>实验五：保留直观的三个输入及未画出的三个</a:t>
             </a:r>
+            <a:endParaRPr lang="zh-CN" altLang="en-US"/>
           </a:p>
         </p:txBody>
       </p:sp>
@@ -7455,7 +7552,7 @@
           <p:nvPr/>
         </p:nvPicPr>
         <p:blipFill>
-          <a:blip r:embed="rId2"/>
+          <a:blip r:embed="rId1"/>
           <a:stretch>
             <a:fillRect/>
           </a:stretch>
@@ -7479,7 +7576,7 @@
           <p:nvPr/>
         </p:nvPicPr>
         <p:blipFill>
-          <a:blip r:embed="rId3"/>
+          <a:blip r:embed="rId2"/>
           <a:srcRect/>
           <a:stretch>
             <a:fillRect/>
@@ -7504,7 +7601,7 @@
           <p:nvPr/>
         </p:nvPicPr>
         <p:blipFill>
-          <a:blip r:embed="rId3"/>
+          <a:blip r:embed="rId2"/>
           <a:srcRect/>
           <a:stretch>
             <a:fillRect/>
@@ -7529,7 +7626,7 @@
           <p:nvPr/>
         </p:nvPicPr>
         <p:blipFill>
-          <a:blip r:embed="rId4"/>
+          <a:blip r:embed="rId3"/>
           <a:stretch>
             <a:fillRect/>
           </a:stretch>
@@ -7553,7 +7650,7 @@
           <p:nvPr/>
         </p:nvPicPr>
         <p:blipFill>
-          <a:blip r:embed="rId5"/>
+          <a:blip r:embed="rId4"/>
           <a:stretch>
             <a:fillRect/>
           </a:stretch>
@@ -7577,7 +7674,7 @@
           <p:nvPr/>
         </p:nvPicPr>
         <p:blipFill>
-          <a:blip r:embed="rId3"/>
+          <a:blip r:embed="rId2"/>
           <a:stretch>
             <a:fillRect/>
           </a:stretch>
@@ -7601,7 +7698,7 @@
           <p:nvPr/>
         </p:nvPicPr>
         <p:blipFill>
-          <a:blip r:embed="rId3"/>
+          <a:blip r:embed="rId2"/>
           <a:stretch>
             <a:fillRect/>
           </a:stretch>
@@ -7646,6 +7743,7 @@
               <a:rPr lang="zh-CN" altLang="en-US"/>
               <a:t>npr</a:t>
             </a:r>
+            <a:endParaRPr lang="zh-CN" altLang="en-US"/>
           </a:p>
         </p:txBody>
       </p:sp>
@@ -7735,6 +7833,7 @@
               <a:rPr lang="en-US" altLang="zh-CN"/>
               <a:t>mask_cline</a:t>
             </a:r>
+            <a:endParaRPr lang="en-US" altLang="zh-CN"/>
           </a:p>
         </p:txBody>
       </p:sp>
@@ -7890,7 +7989,7 @@
           <p:nvPr/>
         </p:nvPicPr>
         <p:blipFill>
-          <a:blip r:embed="rId2"/>
+          <a:blip r:embed="rId1"/>
           <a:srcRect/>
           <a:stretch>
             <a:fillRect/>
@@ -7915,7 +8014,7 @@
           <p:nvPr/>
         </p:nvPicPr>
         <p:blipFill>
-          <a:blip r:embed="rId3"/>
+          <a:blip r:embed="rId2"/>
           <a:srcRect/>
           <a:stretch>
             <a:fillRect/>
@@ -7940,7 +8039,7 @@
           <p:nvPr/>
         </p:nvPicPr>
         <p:blipFill>
-          <a:blip r:embed="rId4"/>
+          <a:blip r:embed="rId3"/>
           <a:srcRect/>
           <a:stretch>
             <a:fillRect/>
@@ -7965,7 +8064,7 @@
           <p:nvPr/>
         </p:nvPicPr>
         <p:blipFill>
-          <a:blip r:embed="rId5"/>
+          <a:blip r:embed="rId4"/>
           <a:srcRect/>
           <a:stretch>
             <a:fillRect/>
@@ -7990,7 +8089,7 @@
           <p:nvPr/>
         </p:nvPicPr>
         <p:blipFill>
-          <a:blip r:embed="rId6"/>
+          <a:blip r:embed="rId5"/>
           <a:srcRect/>
           <a:stretch>
             <a:fillRect/>
@@ -8015,7 +8114,7 @@
           <p:nvPr/>
         </p:nvPicPr>
         <p:blipFill>
-          <a:blip r:embed="rId3"/>
+          <a:blip r:embed="rId2"/>
           <a:srcRect/>
           <a:stretch>
             <a:fillRect/>
@@ -8040,7 +8139,7 @@
           <p:nvPr/>
         </p:nvPicPr>
         <p:blipFill>
-          <a:blip r:embed="rId7"/>
+          <a:blip r:embed="rId6"/>
           <a:srcRect/>
           <a:stretch>
             <a:fillRect/>
@@ -8065,7 +8164,7 @@
           <p:nvPr/>
         </p:nvPicPr>
         <p:blipFill>
-          <a:blip r:embed="rId8"/>
+          <a:blip r:embed="rId7"/>
           <a:srcRect/>
           <a:stretch>
             <a:fillRect/>
@@ -8090,7 +8189,7 @@
           <p:nvPr/>
         </p:nvPicPr>
         <p:blipFill>
-          <a:blip r:embed="rId9"/>
+          <a:blip r:embed="rId8"/>
           <a:srcRect/>
           <a:stretch>
             <a:fillRect/>
@@ -8136,6 +8235,7 @@
               <a:rPr lang="zh-CN" altLang="en-US"/>
               <a:t>置信度</a:t>
             </a:r>
+            <a:endParaRPr lang="zh-CN" altLang="en-US"/>
           </a:p>
         </p:txBody>
       </p:sp>
@@ -8169,6 +8269,7 @@
               <a:rPr lang="zh-CN" altLang="en-US"/>
               <a:t>预测深度</a:t>
             </a:r>
+            <a:endParaRPr lang="zh-CN" altLang="en-US"/>
           </a:p>
         </p:txBody>
       </p:sp>
@@ -8202,6 +8303,7 @@
               <a:rPr lang="en-US" altLang="zh-CN"/>
               <a:t>a</a:t>
             </a:r>
+            <a:endParaRPr lang="en-US" altLang="zh-CN"/>
           </a:p>
         </p:txBody>
       </p:sp>
@@ -8235,6 +8337,7 @@
               <a:rPr lang="en-US" altLang="zh-CN"/>
               <a:t>b</a:t>
             </a:r>
+            <a:endParaRPr lang="en-US" altLang="zh-CN"/>
           </a:p>
         </p:txBody>
       </p:sp>
@@ -8264,6 +8367,7 @@
               <a:rPr lang="zh-CN"/>
               <a:t>预测法线</a:t>
             </a:r>
+            <a:endParaRPr lang="zh-CN"/>
           </a:p>
         </p:txBody>
       </p:sp>
@@ -8297,6 +8401,7 @@
               <a:rPr lang="zh-CN" altLang="en-US"/>
               <a:t>实际深度</a:t>
             </a:r>
+            <a:endParaRPr lang="zh-CN" altLang="en-US"/>
           </a:p>
         </p:txBody>
       </p:sp>
@@ -8334,6 +8439,7 @@
               <a:rPr lang="en-US" altLang="zh-CN"/>
               <a:t>a</a:t>
             </a:r>
+            <a:endParaRPr lang="en-US" altLang="zh-CN"/>
           </a:p>
         </p:txBody>
       </p:sp>
@@ -8367,6 +8473,7 @@
               <a:rPr lang="en-US" altLang="zh-CN"/>
               <a:t>b</a:t>
             </a:r>
+            <a:endParaRPr lang="en-US" altLang="zh-CN"/>
           </a:p>
         </p:txBody>
       </p:sp>
@@ -8400,6 +8507,7 @@
               <a:rPr lang="zh-CN" altLang="en-US"/>
               <a:t>实际法线</a:t>
             </a:r>
+            <a:endParaRPr lang="zh-CN" altLang="en-US"/>
           </a:p>
         </p:txBody>
       </p:sp>
@@ -8458,6 +8566,11 @@
               </a:rPr>
               <a:t>关于原数据格式的了解</a:t>
             </a:r>
+            <a:endParaRPr lang="zh-CN" altLang="en-US" sz="2800">
+              <a:solidFill>
+                <a:srgbClr val="FF0000"/>
+              </a:solidFill>
+            </a:endParaRPr>
           </a:p>
         </p:txBody>
       </p:sp>
@@ -8516,6 +8629,7 @@
               <a:rPr lang="zh-CN" altLang="en-US"/>
               <a:t>进行压缩</a:t>
             </a:r>
+            <a:endParaRPr lang="zh-CN" altLang="en-US"/>
           </a:p>
           <a:p>
             <a:pPr algn="l"/>
@@ -8547,6 +8661,7 @@
               <a:rPr lang="zh-CN" altLang="en-US"/>
               <a:t>个位置推断。</a:t>
             </a:r>
+            <a:endParaRPr lang="zh-CN" altLang="en-US"/>
           </a:p>
           <a:p>
             <a:pPr algn="l"/>
@@ -8610,6 +8725,7 @@
               <a:rPr lang="zh-CN" altLang="en-US"/>
               <a:t>，其余用来描述</a:t>
             </a:r>
+            <a:endParaRPr lang="zh-CN" altLang="en-US"/>
           </a:p>
           <a:p>
             <a:pPr algn="l"/>
@@ -8644,7 +8760,7 @@
           <p:nvPr/>
         </p:nvPicPr>
         <p:blipFill>
-          <a:blip r:embed="rId2"/>
+          <a:blip r:embed="rId1"/>
           <a:stretch>
             <a:fillRect/>
           </a:stretch>
@@ -8668,7 +8784,7 @@
           <p:nvPr/>
         </p:nvPicPr>
         <p:blipFill>
-          <a:blip r:embed="rId3"/>
+          <a:blip r:embed="rId2"/>
           <a:stretch>
             <a:fillRect/>
           </a:stretch>
@@ -8750,6 +8866,7 @@
               <a:rPr lang="zh-CN" altLang="en-US"/>
               <a:t>及未显示三项</a:t>
             </a:r>
+            <a:endParaRPr lang="zh-CN" altLang="en-US"/>
           </a:p>
         </p:txBody>
       </p:sp>
@@ -8762,7 +8879,7 @@
           <p:nvPr/>
         </p:nvPicPr>
         <p:blipFill>
-          <a:blip r:embed="rId2"/>
+          <a:blip r:embed="rId1"/>
           <a:srcRect/>
           <a:stretch>
             <a:fillRect/>
@@ -8787,7 +8904,7 @@
           <p:nvPr/>
         </p:nvPicPr>
         <p:blipFill>
-          <a:blip r:embed="rId2"/>
+          <a:blip r:embed="rId1"/>
           <a:srcRect/>
           <a:stretch>
             <a:fillRect/>
@@ -8812,7 +8929,7 @@
           <p:nvPr/>
         </p:nvPicPr>
         <p:blipFill>
-          <a:blip r:embed="rId3"/>
+          <a:blip r:embed="rId2"/>
           <a:stretch>
             <a:fillRect/>
           </a:stretch>
@@ -8836,7 +8953,7 @@
           <p:nvPr/>
         </p:nvPicPr>
         <p:blipFill>
-          <a:blip r:embed="rId4"/>
+          <a:blip r:embed="rId3"/>
           <a:stretch>
             <a:fillRect/>
           </a:stretch>
@@ -8860,7 +8977,7 @@
           <p:nvPr/>
         </p:nvPicPr>
         <p:blipFill>
-          <a:blip r:embed="rId5"/>
+          <a:blip r:embed="rId4"/>
           <a:stretch>
             <a:fillRect/>
           </a:stretch>
@@ -8884,7 +9001,7 @@
           <p:nvPr/>
         </p:nvPicPr>
         <p:blipFill>
-          <a:blip r:embed="rId2"/>
+          <a:blip r:embed="rId1"/>
           <a:stretch>
             <a:fillRect/>
           </a:stretch>
@@ -8908,7 +9025,7 @@
           <p:nvPr/>
         </p:nvPicPr>
         <p:blipFill>
-          <a:blip r:embed="rId2"/>
+          <a:blip r:embed="rId1"/>
           <a:stretch>
             <a:fillRect/>
           </a:stretch>
@@ -8953,6 +9070,7 @@
               <a:rPr lang="zh-CN" altLang="en-US"/>
               <a:t>npr</a:t>
             </a:r>
+            <a:endParaRPr lang="zh-CN" altLang="en-US"/>
           </a:p>
         </p:txBody>
       </p:sp>
@@ -9042,6 +9160,7 @@
               <a:rPr lang="en-US" altLang="zh-CN"/>
               <a:t>mask_cline</a:t>
             </a:r>
+            <a:endParaRPr lang="en-US" altLang="zh-CN"/>
           </a:p>
         </p:txBody>
       </p:sp>
@@ -9221,7 +9340,7 @@
           <p:nvPr/>
         </p:nvPicPr>
         <p:blipFill>
-          <a:blip r:embed="rId2"/>
+          <a:blip r:embed="rId1"/>
           <a:srcRect/>
           <a:stretch>
             <a:fillRect/>
@@ -9246,7 +9365,7 @@
           <p:nvPr/>
         </p:nvPicPr>
         <p:blipFill>
-          <a:blip r:embed="rId3"/>
+          <a:blip r:embed="rId2"/>
           <a:srcRect/>
           <a:stretch>
             <a:fillRect/>
@@ -9271,7 +9390,7 @@
           <p:nvPr/>
         </p:nvPicPr>
         <p:blipFill>
-          <a:blip r:embed="rId4"/>
+          <a:blip r:embed="rId3"/>
           <a:srcRect/>
           <a:stretch>
             <a:fillRect/>
@@ -9296,7 +9415,7 @@
           <p:nvPr/>
         </p:nvPicPr>
         <p:blipFill>
-          <a:blip r:embed="rId5"/>
+          <a:blip r:embed="rId4"/>
           <a:srcRect/>
           <a:stretch>
             <a:fillRect/>
@@ -9321,7 +9440,7 @@
           <p:nvPr/>
         </p:nvPicPr>
         <p:blipFill>
-          <a:blip r:embed="rId6"/>
+          <a:blip r:embed="rId5"/>
           <a:srcRect/>
           <a:stretch>
             <a:fillRect/>
@@ -9346,7 +9465,7 @@
           <p:nvPr/>
         </p:nvPicPr>
         <p:blipFill>
-          <a:blip r:embed="rId7"/>
+          <a:blip r:embed="rId6"/>
           <a:srcRect/>
           <a:stretch>
             <a:fillRect/>
@@ -9371,7 +9490,7 @@
           <p:nvPr/>
         </p:nvPicPr>
         <p:blipFill>
-          <a:blip r:embed="rId8"/>
+          <a:blip r:embed="rId7"/>
           <a:srcRect/>
           <a:stretch>
             <a:fillRect/>
@@ -9396,7 +9515,7 @@
           <p:nvPr/>
         </p:nvPicPr>
         <p:blipFill>
-          <a:blip r:embed="rId9"/>
+          <a:blip r:embed="rId8"/>
           <a:srcRect/>
           <a:stretch>
             <a:fillRect/>
@@ -9421,7 +9540,7 @@
           <p:nvPr/>
         </p:nvPicPr>
         <p:blipFill>
-          <a:blip r:embed="rId10"/>
+          <a:blip r:embed="rId9"/>
           <a:srcRect/>
           <a:stretch>
             <a:fillRect/>
@@ -9467,6 +9586,7 @@
               <a:rPr lang="zh-CN" altLang="en-US"/>
               <a:t>置信度</a:t>
             </a:r>
+            <a:endParaRPr lang="zh-CN" altLang="en-US"/>
           </a:p>
         </p:txBody>
       </p:sp>
@@ -9500,6 +9620,7 @@
               <a:rPr lang="zh-CN" altLang="en-US"/>
               <a:t>预测深度</a:t>
             </a:r>
+            <a:endParaRPr lang="zh-CN" altLang="en-US"/>
           </a:p>
         </p:txBody>
       </p:sp>
@@ -9533,6 +9654,7 @@
               <a:rPr lang="en-US" altLang="zh-CN"/>
               <a:t>a</a:t>
             </a:r>
+            <a:endParaRPr lang="en-US" altLang="zh-CN"/>
           </a:p>
         </p:txBody>
       </p:sp>
@@ -9566,6 +9688,7 @@
               <a:rPr lang="en-US" altLang="zh-CN"/>
               <a:t>b</a:t>
             </a:r>
+            <a:endParaRPr lang="en-US" altLang="zh-CN"/>
           </a:p>
         </p:txBody>
       </p:sp>
@@ -9595,6 +9718,7 @@
               <a:rPr lang="zh-CN"/>
               <a:t>预测法线</a:t>
             </a:r>
+            <a:endParaRPr lang="zh-CN"/>
           </a:p>
         </p:txBody>
       </p:sp>
@@ -9628,6 +9752,7 @@
               <a:rPr lang="zh-CN" altLang="en-US"/>
               <a:t>实际深度</a:t>
             </a:r>
+            <a:endParaRPr lang="zh-CN" altLang="en-US"/>
           </a:p>
         </p:txBody>
       </p:sp>
@@ -9665,6 +9790,7 @@
               <a:rPr lang="en-US" altLang="zh-CN"/>
               <a:t>a</a:t>
             </a:r>
+            <a:endParaRPr lang="en-US" altLang="zh-CN"/>
           </a:p>
         </p:txBody>
       </p:sp>
@@ -9698,6 +9824,7 @@
               <a:rPr lang="en-US" altLang="zh-CN"/>
               <a:t>b</a:t>
             </a:r>
+            <a:endParaRPr lang="en-US" altLang="zh-CN"/>
           </a:p>
         </p:txBody>
       </p:sp>
@@ -9731,6 +9858,7 @@
               <a:rPr lang="zh-CN" altLang="en-US"/>
               <a:t>实际法线</a:t>
             </a:r>
+            <a:endParaRPr lang="zh-CN" altLang="en-US"/>
           </a:p>
         </p:txBody>
       </p:sp>
@@ -9793,6 +9921,7 @@
               <a:rPr lang="zh-CN" altLang="en-US"/>
               <a:t>及未显示三项</a:t>
             </a:r>
+            <a:endParaRPr lang="zh-CN" altLang="en-US"/>
           </a:p>
         </p:txBody>
       </p:sp>
@@ -9805,7 +9934,7 @@
           <p:nvPr/>
         </p:nvPicPr>
         <p:blipFill>
-          <a:blip r:embed="rId2"/>
+          <a:blip r:embed="rId1"/>
           <a:srcRect/>
           <a:stretch>
             <a:fillRect/>
@@ -9830,7 +9959,7 @@
           <p:nvPr/>
         </p:nvPicPr>
         <p:blipFill>
-          <a:blip r:embed="rId3"/>
+          <a:blip r:embed="rId2"/>
           <a:srcRect/>
           <a:stretch>
             <a:fillRect/>
@@ -9855,7 +9984,7 @@
           <p:nvPr/>
         </p:nvPicPr>
         <p:blipFill>
-          <a:blip r:embed="rId4"/>
+          <a:blip r:embed="rId3"/>
           <a:stretch>
             <a:fillRect/>
           </a:stretch>
@@ -9879,7 +10008,7 @@
           <p:nvPr/>
         </p:nvPicPr>
         <p:blipFill>
-          <a:blip r:embed="rId5"/>
+          <a:blip r:embed="rId4"/>
           <a:stretch>
             <a:fillRect/>
           </a:stretch>
@@ -9903,7 +10032,7 @@
           <p:nvPr/>
         </p:nvPicPr>
         <p:blipFill>
-          <a:blip r:embed="rId6"/>
+          <a:blip r:embed="rId5"/>
           <a:stretch>
             <a:fillRect/>
           </a:stretch>
@@ -9927,7 +10056,7 @@
           <p:nvPr/>
         </p:nvPicPr>
         <p:blipFill>
-          <a:blip r:embed="rId3"/>
+          <a:blip r:embed="rId2"/>
           <a:stretch>
             <a:fillRect/>
           </a:stretch>
@@ -9951,7 +10080,7 @@
           <p:nvPr/>
         </p:nvPicPr>
         <p:blipFill>
-          <a:blip r:embed="rId3"/>
+          <a:blip r:embed="rId2"/>
           <a:stretch>
             <a:fillRect/>
           </a:stretch>
@@ -9996,6 +10125,7 @@
               <a:rPr lang="zh-CN" altLang="en-US"/>
               <a:t>npr</a:t>
             </a:r>
+            <a:endParaRPr lang="zh-CN" altLang="en-US"/>
           </a:p>
         </p:txBody>
       </p:sp>
@@ -10085,6 +10215,7 @@
               <a:rPr lang="en-US" altLang="zh-CN"/>
               <a:t>mask_cline</a:t>
             </a:r>
+            <a:endParaRPr lang="en-US" altLang="zh-CN"/>
           </a:p>
         </p:txBody>
       </p:sp>
@@ -10252,7 +10383,7 @@
           <p:nvPr/>
         </p:nvPicPr>
         <p:blipFill>
-          <a:blip r:embed="rId2"/>
+          <a:blip r:embed="rId1"/>
           <a:srcRect/>
           <a:stretch>
             <a:fillRect/>
@@ -10277,7 +10408,7 @@
           <p:nvPr/>
         </p:nvPicPr>
         <p:blipFill>
-          <a:blip r:embed="rId3"/>
+          <a:blip r:embed="rId2"/>
           <a:srcRect/>
           <a:stretch>
             <a:fillRect/>
@@ -10302,7 +10433,7 @@
           <p:nvPr/>
         </p:nvPicPr>
         <p:blipFill>
-          <a:blip r:embed="rId4"/>
+          <a:blip r:embed="rId3"/>
           <a:srcRect/>
           <a:stretch>
             <a:fillRect/>
@@ -10327,7 +10458,7 @@
           <p:nvPr/>
         </p:nvPicPr>
         <p:blipFill>
-          <a:blip r:embed="rId5"/>
+          <a:blip r:embed="rId4"/>
           <a:srcRect/>
           <a:stretch>
             <a:fillRect/>
@@ -10352,7 +10483,7 @@
           <p:nvPr/>
         </p:nvPicPr>
         <p:blipFill>
-          <a:blip r:embed="rId6"/>
+          <a:blip r:embed="rId5"/>
           <a:srcRect/>
           <a:stretch>
             <a:fillRect/>
@@ -10377,7 +10508,7 @@
           <p:nvPr/>
         </p:nvPicPr>
         <p:blipFill>
-          <a:blip r:embed="rId7"/>
+          <a:blip r:embed="rId6"/>
           <a:srcRect/>
           <a:stretch>
             <a:fillRect/>
@@ -10402,7 +10533,7 @@
           <p:nvPr/>
         </p:nvPicPr>
         <p:blipFill>
-          <a:blip r:embed="rId8"/>
+          <a:blip r:embed="rId7"/>
           <a:srcRect/>
           <a:stretch>
             <a:fillRect/>
@@ -10427,7 +10558,7 @@
           <p:nvPr/>
         </p:nvPicPr>
         <p:blipFill>
-          <a:blip r:embed="rId9"/>
+          <a:blip r:embed="rId8"/>
           <a:srcRect/>
           <a:stretch>
             <a:fillRect/>
@@ -10452,7 +10583,7 @@
           <p:nvPr/>
         </p:nvPicPr>
         <p:blipFill>
-          <a:blip r:embed="rId10"/>
+          <a:blip r:embed="rId9"/>
           <a:srcRect/>
           <a:stretch>
             <a:fillRect/>
@@ -10498,6 +10629,7 @@
               <a:rPr lang="zh-CN" altLang="en-US"/>
               <a:t>置信度</a:t>
             </a:r>
+            <a:endParaRPr lang="zh-CN" altLang="en-US"/>
           </a:p>
         </p:txBody>
       </p:sp>
@@ -10531,6 +10663,7 @@
               <a:rPr lang="zh-CN" altLang="en-US"/>
               <a:t>预测深度</a:t>
             </a:r>
+            <a:endParaRPr lang="zh-CN" altLang="en-US"/>
           </a:p>
         </p:txBody>
       </p:sp>
@@ -10564,6 +10697,7 @@
               <a:rPr lang="en-US" altLang="zh-CN"/>
               <a:t>a</a:t>
             </a:r>
+            <a:endParaRPr lang="en-US" altLang="zh-CN"/>
           </a:p>
         </p:txBody>
       </p:sp>
@@ -10597,6 +10731,7 @@
               <a:rPr lang="en-US" altLang="zh-CN"/>
               <a:t>b</a:t>
             </a:r>
+            <a:endParaRPr lang="en-US" altLang="zh-CN"/>
           </a:p>
         </p:txBody>
       </p:sp>
@@ -10626,6 +10761,7 @@
               <a:rPr lang="zh-CN"/>
               <a:t>预测法线</a:t>
             </a:r>
+            <a:endParaRPr lang="zh-CN"/>
           </a:p>
         </p:txBody>
       </p:sp>
@@ -10659,6 +10795,7 @@
               <a:rPr lang="zh-CN" altLang="en-US"/>
               <a:t>实际深度</a:t>
             </a:r>
+            <a:endParaRPr lang="zh-CN" altLang="en-US"/>
           </a:p>
         </p:txBody>
       </p:sp>
@@ -10696,6 +10833,7 @@
               <a:rPr lang="en-US" altLang="zh-CN"/>
               <a:t>a</a:t>
             </a:r>
+            <a:endParaRPr lang="en-US" altLang="zh-CN"/>
           </a:p>
         </p:txBody>
       </p:sp>
@@ -10729,6 +10867,7 @@
               <a:rPr lang="en-US" altLang="zh-CN"/>
               <a:t>b</a:t>
             </a:r>
+            <a:endParaRPr lang="en-US" altLang="zh-CN"/>
           </a:p>
         </p:txBody>
       </p:sp>
@@ -10762,6 +10901,7 @@
               <a:rPr lang="zh-CN" altLang="en-US"/>
               <a:t>实际法线</a:t>
             </a:r>
+            <a:endParaRPr lang="zh-CN" altLang="en-US"/>
           </a:p>
         </p:txBody>
       </p:sp>
@@ -10828,6 +10968,7 @@
               <a:rPr lang="en-US" altLang="zh-CN"/>
               <a:t>  </a:t>
             </a:r>
+            <a:endParaRPr lang="en-US" altLang="zh-CN"/>
           </a:p>
         </p:txBody>
       </p:sp>
@@ -10840,7 +10981,7 @@
           <p:nvPr/>
         </p:nvPicPr>
         <p:blipFill>
-          <a:blip r:embed="rId2"/>
+          <a:blip r:embed="rId1"/>
           <a:srcRect/>
           <a:stretch>
             <a:fillRect/>
@@ -10865,7 +11006,7 @@
           <p:nvPr/>
         </p:nvPicPr>
         <p:blipFill>
-          <a:blip r:embed="rId3"/>
+          <a:blip r:embed="rId2"/>
           <a:srcRect/>
           <a:stretch>
             <a:fillRect/>
@@ -10890,7 +11031,7 @@
           <p:nvPr/>
         </p:nvPicPr>
         <p:blipFill>
-          <a:blip r:embed="rId4"/>
+          <a:blip r:embed="rId3"/>
           <a:stretch>
             <a:fillRect/>
           </a:stretch>
@@ -10914,7 +11055,7 @@
           <p:nvPr/>
         </p:nvPicPr>
         <p:blipFill>
-          <a:blip r:embed="rId5"/>
+          <a:blip r:embed="rId4"/>
           <a:stretch>
             <a:fillRect/>
           </a:stretch>
@@ -10938,7 +11079,7 @@
           <p:nvPr/>
         </p:nvPicPr>
         <p:blipFill>
-          <a:blip r:embed="rId6"/>
+          <a:blip r:embed="rId5"/>
           <a:stretch>
             <a:fillRect/>
           </a:stretch>
@@ -10962,7 +11103,7 @@
           <p:nvPr/>
         </p:nvPicPr>
         <p:blipFill>
-          <a:blip r:embed="rId3"/>
+          <a:blip r:embed="rId2"/>
           <a:stretch>
             <a:fillRect/>
           </a:stretch>
@@ -10986,7 +11127,7 @@
           <p:nvPr/>
         </p:nvPicPr>
         <p:blipFill>
-          <a:blip r:embed="rId3"/>
+          <a:blip r:embed="rId2"/>
           <a:stretch>
             <a:fillRect/>
           </a:stretch>
@@ -11031,6 +11172,7 @@
               <a:rPr lang="zh-CN" altLang="en-US"/>
               <a:t>npr</a:t>
             </a:r>
+            <a:endParaRPr lang="zh-CN" altLang="en-US"/>
           </a:p>
         </p:txBody>
       </p:sp>
@@ -11120,6 +11262,7 @@
               <a:rPr lang="en-US" altLang="zh-CN"/>
               <a:t>mask_cline</a:t>
             </a:r>
+            <a:endParaRPr lang="en-US" altLang="zh-CN"/>
           </a:p>
         </p:txBody>
       </p:sp>
@@ -11217,7 +11360,7 @@
           <p:nvPr/>
         </p:nvPicPr>
         <p:blipFill>
-          <a:blip r:embed="rId7"/>
+          <a:blip r:embed="rId6"/>
           <a:stretch>
             <a:fillRect/>
           </a:stretch>
@@ -11258,6 +11401,7 @@
               <a:rPr lang="en-US" altLang="zh-CN"/>
               <a:t>shapemask</a:t>
             </a:r>
+            <a:endParaRPr lang="en-US" altLang="zh-CN"/>
           </a:p>
         </p:txBody>
       </p:sp>
@@ -11340,7 +11484,7 @@
           <p:nvPr/>
         </p:nvPicPr>
         <p:blipFill>
-          <a:blip r:embed="rId2"/>
+          <a:blip r:embed="rId1"/>
           <a:srcRect/>
           <a:stretch>
             <a:fillRect/>
@@ -11365,7 +11509,7 @@
           <p:nvPr/>
         </p:nvPicPr>
         <p:blipFill>
-          <a:blip r:embed="rId3"/>
+          <a:blip r:embed="rId2"/>
           <a:srcRect/>
           <a:stretch>
             <a:fillRect/>
@@ -11390,7 +11534,7 @@
           <p:nvPr/>
         </p:nvPicPr>
         <p:blipFill>
-          <a:blip r:embed="rId4"/>
+          <a:blip r:embed="rId3"/>
           <a:srcRect/>
           <a:stretch>
             <a:fillRect/>
@@ -11415,7 +11559,7 @@
           <p:nvPr/>
         </p:nvPicPr>
         <p:blipFill>
-          <a:blip r:embed="rId5"/>
+          <a:blip r:embed="rId4"/>
           <a:srcRect/>
           <a:stretch>
             <a:fillRect/>
@@ -11440,7 +11584,7 @@
           <p:nvPr/>
         </p:nvPicPr>
         <p:blipFill>
-          <a:blip r:embed="rId6"/>
+          <a:blip r:embed="rId5"/>
           <a:srcRect/>
           <a:stretch>
             <a:fillRect/>
@@ -11465,7 +11609,7 @@
           <p:nvPr/>
         </p:nvPicPr>
         <p:blipFill>
-          <a:blip r:embed="rId7"/>
+          <a:blip r:embed="rId6"/>
           <a:srcRect/>
           <a:stretch>
             <a:fillRect/>
@@ -11490,7 +11634,7 @@
           <p:nvPr/>
         </p:nvPicPr>
         <p:blipFill>
-          <a:blip r:embed="rId7"/>
+          <a:blip r:embed="rId6"/>
           <a:srcRect/>
           <a:stretch>
             <a:fillRect/>
@@ -11515,7 +11659,7 @@
           <p:nvPr/>
         </p:nvPicPr>
         <p:blipFill>
-          <a:blip r:embed="rId7"/>
+          <a:blip r:embed="rId6"/>
           <a:srcRect/>
           <a:stretch>
             <a:fillRect/>
@@ -11540,7 +11684,7 @@
           <p:nvPr/>
         </p:nvPicPr>
         <p:blipFill>
-          <a:blip r:embed="rId7"/>
+          <a:blip r:embed="rId6"/>
           <a:srcRect/>
           <a:stretch>
             <a:fillRect/>
@@ -11586,6 +11730,7 @@
               <a:rPr lang="zh-CN" altLang="en-US"/>
               <a:t>置信度</a:t>
             </a:r>
+            <a:endParaRPr lang="zh-CN" altLang="en-US"/>
           </a:p>
         </p:txBody>
       </p:sp>
@@ -11619,6 +11764,7 @@
               <a:rPr lang="zh-CN" altLang="en-US"/>
               <a:t>预测深度</a:t>
             </a:r>
+            <a:endParaRPr lang="zh-CN" altLang="en-US"/>
           </a:p>
         </p:txBody>
       </p:sp>
@@ -11652,6 +11798,7 @@
               <a:rPr lang="en-US" altLang="zh-CN"/>
               <a:t>a</a:t>
             </a:r>
+            <a:endParaRPr lang="en-US" altLang="zh-CN"/>
           </a:p>
         </p:txBody>
       </p:sp>
@@ -11685,6 +11832,7 @@
               <a:rPr lang="en-US" altLang="zh-CN"/>
               <a:t>b</a:t>
             </a:r>
+            <a:endParaRPr lang="en-US" altLang="zh-CN"/>
           </a:p>
         </p:txBody>
       </p:sp>
@@ -11714,6 +11862,7 @@
               <a:rPr lang="zh-CN"/>
               <a:t>预测法线</a:t>
             </a:r>
+            <a:endParaRPr lang="zh-CN"/>
           </a:p>
         </p:txBody>
       </p:sp>
@@ -11747,6 +11896,7 @@
               <a:rPr lang="zh-CN" altLang="en-US"/>
               <a:t>实际深度</a:t>
             </a:r>
+            <a:endParaRPr lang="zh-CN" altLang="en-US"/>
           </a:p>
         </p:txBody>
       </p:sp>
@@ -11784,6 +11934,7 @@
               <a:rPr lang="en-US" altLang="zh-CN"/>
               <a:t>a</a:t>
             </a:r>
+            <a:endParaRPr lang="en-US" altLang="zh-CN"/>
           </a:p>
         </p:txBody>
       </p:sp>
@@ -11817,6 +11968,7 @@
               <a:rPr lang="en-US" altLang="zh-CN"/>
               <a:t>b</a:t>
             </a:r>
+            <a:endParaRPr lang="en-US" altLang="zh-CN"/>
           </a:p>
         </p:txBody>
       </p:sp>
@@ -11850,6 +12002,7 @@
               <a:rPr lang="zh-CN" altLang="en-US"/>
               <a:t>实际法线</a:t>
             </a:r>
+            <a:endParaRPr lang="zh-CN" altLang="en-US"/>
           </a:p>
         </p:txBody>
       </p:sp>
@@ -11908,6 +12061,11 @@
               </a:rPr>
               <a:t>关于原数据格式的了解</a:t>
             </a:r>
+            <a:endParaRPr lang="zh-CN" altLang="en-US" sz="2800">
+              <a:solidFill>
+                <a:srgbClr val="FF0000"/>
+              </a:solidFill>
+            </a:endParaRPr>
           </a:p>
         </p:txBody>
       </p:sp>
@@ -11946,6 +12104,7 @@
               <a:rPr lang="zh-CN"/>
               <a:t>]也就是</a:t>
             </a:r>
+            <a:endParaRPr lang="zh-CN"/>
           </a:p>
           <a:p>
             <a:pPr algn="l"/>
@@ -11957,6 +12116,7 @@
               <a:rPr lang="zh-CN" altLang="en-US"/>
               <a:t>替换效果也很好。</a:t>
             </a:r>
+            <a:endParaRPr lang="zh-CN" altLang="en-US"/>
           </a:p>
           <a:p>
             <a:pPr algn="l"/>
@@ -11988,6 +12148,7 @@
               <a:rPr lang="zh-CN" altLang="en-US"/>
               <a:t>替换，不过没实验</a:t>
             </a:r>
+            <a:endParaRPr lang="zh-CN" altLang="en-US"/>
           </a:p>
         </p:txBody>
       </p:sp>
@@ -12000,7 +12161,7 @@
           <p:nvPr/>
         </p:nvPicPr>
         <p:blipFill>
-          <a:blip r:embed="rId2"/>
+          <a:blip r:embed="rId1"/>
           <a:stretch>
             <a:fillRect/>
           </a:stretch>
@@ -12070,6 +12231,11 @@
               </a:rPr>
               <a:t>关于原数据格式的了解</a:t>
             </a:r>
+            <a:endParaRPr lang="zh-CN" altLang="en-US" sz="2800">
+              <a:solidFill>
+                <a:srgbClr val="FF0000"/>
+              </a:solidFill>
+            </a:endParaRPr>
           </a:p>
         </p:txBody>
       </p:sp>
@@ -12116,6 +12282,7 @@
               <a:rPr lang="zh-CN" altLang="en-US"/>
               <a:t>以及实验的推测这七个节点必选可选如下</a:t>
             </a:r>
+            <a:endParaRPr lang="zh-CN" altLang="en-US"/>
           </a:p>
           <a:p>
             <a:pPr algn="l"/>
@@ -12153,6 +12320,9 @@
               </a:rPr>
               <a:t>替换</a:t>
             </a:r>
+            <a:endParaRPr lang="zh-CN" altLang="en-US">
+              <a:sym typeface="+mn-ea"/>
+            </a:endParaRPr>
           </a:p>
           <a:p>
             <a:pPr algn="l"/>
@@ -12192,6 +12362,9 @@
               </a:rPr>
               <a:t>时是没有输出的</a:t>
             </a:r>
+            <a:endParaRPr lang="zh-CN" altLang="en-US">
+              <a:sym typeface="+mn-ea"/>
+            </a:endParaRPr>
           </a:p>
           <a:p>
             <a:pPr algn="l"/>
@@ -12210,7 +12383,7 @@
           <p:nvPr/>
         </p:nvPicPr>
         <p:blipFill>
-          <a:blip r:embed="rId2"/>
+          <a:blip r:embed="rId1"/>
           <a:stretch>
             <a:fillRect/>
           </a:stretch>
@@ -12234,7 +12407,7 @@
           <p:nvPr/>
         </p:nvPicPr>
         <p:blipFill>
-          <a:blip r:embed="rId3"/>
+          <a:blip r:embed="rId2"/>
           <a:stretch>
             <a:fillRect/>
           </a:stretch>
@@ -12249,6 +12422,2104 @@
           </a:prstGeom>
         </p:spPr>
       </p:pic>
+    </p:spTree>
+  </p:cSld>
+  <p:clrMapOvr>
+    <a:masterClrMapping/>
+  </p:clrMapOvr>
+</p:sld>
+</file>
+
+<file path=ppt/slides/slide28.xml><?xml version="1.0" encoding="utf-8"?>
+<p:sld xmlns:a="http://schemas.openxmlformats.org/drawingml/2006/main" xmlns:r="http://schemas.openxmlformats.org/officeDocument/2006/relationships" xmlns:p="http://schemas.openxmlformats.org/presentationml/2006/main">
+  <p:cSld>
+    <p:spTree>
+      <p:nvGrpSpPr>
+        <p:cNvPr id="1" name=""/>
+        <p:cNvGrpSpPr/>
+        <p:nvPr/>
+      </p:nvGrpSpPr>
+      <p:grpSpPr>
+        <a:xfrm>
+          <a:off x="0" y="0"/>
+          <a:ext cx="0" cy="0"/>
+          <a:chOff x="0" y="0"/>
+          <a:chExt cx="0" cy="0"/>
+        </a:xfrm>
+      </p:grpSpPr>
+      <p:sp>
+        <p:nvSpPr>
+          <p:cNvPr id="3" name="右箭头 2"/>
+          <p:cNvSpPr/>
+          <p:nvPr/>
+        </p:nvSpPr>
+        <p:spPr>
+          <a:xfrm>
+            <a:off x="1994535" y="2733040"/>
+            <a:ext cx="654050" cy="332740"/>
+          </a:xfrm>
+          <a:prstGeom prst="rightArrow">
+            <a:avLst/>
+          </a:prstGeom>
+          <a:gradFill>
+            <a:gsLst>
+              <a:gs pos="0">
+                <a:srgbClr val="007BD3"/>
+              </a:gs>
+              <a:gs pos="100000">
+                <a:srgbClr val="034373"/>
+              </a:gs>
+            </a:gsLst>
+            <a:lin scaled="0"/>
+          </a:gradFill>
+        </p:spPr>
+        <p:style>
+          <a:lnRef idx="2">
+            <a:schemeClr val="accent1">
+              <a:shade val="50000"/>
+            </a:schemeClr>
+          </a:lnRef>
+          <a:fillRef idx="1">
+            <a:schemeClr val="accent1"/>
+          </a:fillRef>
+          <a:effectRef idx="0">
+            <a:schemeClr val="accent1"/>
+          </a:effectRef>
+          <a:fontRef idx="minor">
+            <a:schemeClr val="lt1"/>
+          </a:fontRef>
+        </p:style>
+        <p:txBody>
+          <a:bodyPr rtlCol="0" anchor="ctr"/>
+          <a:p>
+            <a:pPr algn="ctr"/>
+            <a:endParaRPr lang="zh-CN" altLang="en-US"/>
+          </a:p>
+        </p:txBody>
+      </p:sp>
+      <p:pic>
+        <p:nvPicPr>
+          <p:cNvPr id="4" name="图片 3" descr="2dMask_6"/>
+          <p:cNvPicPr>
+            <a:picLocks noChangeAspect="1"/>
+          </p:cNvPicPr>
+          <p:nvPr/>
+        </p:nvPicPr>
+        <p:blipFill>
+          <a:blip r:embed="rId1"/>
+          <a:stretch>
+            <a:fillRect/>
+          </a:stretch>
+        </p:blipFill>
+        <p:spPr>
+          <a:xfrm rot="5400000">
+            <a:off x="2821395" y="1854200"/>
+            <a:ext cx="720000" cy="720000"/>
+          </a:xfrm>
+          <a:prstGeom prst="rect">
+            <a:avLst/>
+          </a:prstGeom>
+        </p:spPr>
+      </p:pic>
+      <p:pic>
+        <p:nvPicPr>
+          <p:cNvPr id="5" name="图片 4" descr="ds_6"/>
+          <p:cNvPicPr>
+            <a:picLocks noChangeAspect="1"/>
+          </p:cNvPicPr>
+          <p:nvPr/>
+        </p:nvPicPr>
+        <p:blipFill>
+          <a:blip r:embed="rId2"/>
+          <a:stretch>
+            <a:fillRect/>
+          </a:stretch>
+        </p:blipFill>
+        <p:spPr>
+          <a:xfrm rot="5400000">
+            <a:off x="2821395" y="2486660"/>
+            <a:ext cx="720000" cy="720000"/>
+          </a:xfrm>
+          <a:prstGeom prst="rect">
+            <a:avLst/>
+          </a:prstGeom>
+        </p:spPr>
+      </p:pic>
+      <p:pic>
+        <p:nvPicPr>
+          <p:cNvPr id="6" name="图片 5" descr="fLMask_6"/>
+          <p:cNvPicPr>
+            <a:picLocks noChangeAspect="1"/>
+          </p:cNvPicPr>
+          <p:nvPr/>
+        </p:nvPicPr>
+        <p:blipFill>
+          <a:blip r:embed="rId3"/>
+          <a:stretch>
+            <a:fillRect/>
+          </a:stretch>
+        </p:blipFill>
+        <p:spPr>
+          <a:xfrm rot="5400000">
+            <a:off x="2821395" y="3864610"/>
+            <a:ext cx="720000" cy="720000"/>
+          </a:xfrm>
+          <a:prstGeom prst="rect">
+            <a:avLst/>
+          </a:prstGeom>
+        </p:spPr>
+      </p:pic>
+      <p:pic>
+        <p:nvPicPr>
+          <p:cNvPr id="7" name="图片 6" descr="npr_6"/>
+          <p:cNvPicPr>
+            <a:picLocks noChangeAspect="1"/>
+          </p:cNvPicPr>
+          <p:nvPr/>
+        </p:nvPicPr>
+        <p:blipFill>
+          <a:blip r:embed="rId4"/>
+          <a:stretch>
+            <a:fillRect/>
+          </a:stretch>
+        </p:blipFill>
+        <p:spPr>
+          <a:xfrm rot="5400000">
+            <a:off x="2821395" y="1415415"/>
+            <a:ext cx="720000" cy="720000"/>
+          </a:xfrm>
+          <a:prstGeom prst="rect">
+            <a:avLst/>
+          </a:prstGeom>
+        </p:spPr>
+      </p:pic>
+      <p:sp>
+        <p:nvSpPr>
+          <p:cNvPr id="8" name="椭圆 7"/>
+          <p:cNvSpPr/>
+          <p:nvPr/>
+        </p:nvSpPr>
+        <p:spPr>
+          <a:xfrm>
+            <a:off x="3127375" y="3263900"/>
+            <a:ext cx="108000" cy="108000"/>
+          </a:xfrm>
+          <a:prstGeom prst="ellipse">
+            <a:avLst/>
+          </a:prstGeom>
+        </p:spPr>
+        <p:style>
+          <a:lnRef idx="2">
+            <a:schemeClr val="accent1">
+              <a:shade val="50000"/>
+            </a:schemeClr>
+          </a:lnRef>
+          <a:fillRef idx="1">
+            <a:schemeClr val="accent1"/>
+          </a:fillRef>
+          <a:effectRef idx="0">
+            <a:schemeClr val="accent1"/>
+          </a:effectRef>
+          <a:fontRef idx="minor">
+            <a:schemeClr val="lt1"/>
+          </a:fontRef>
+        </p:style>
+        <p:txBody>
+          <a:bodyPr rtlCol="0" anchor="ctr"/>
+          <a:p>
+            <a:pPr algn="ctr"/>
+            <a:endParaRPr lang="zh-CN" altLang="en-US"/>
+          </a:p>
+        </p:txBody>
+      </p:sp>
+      <p:sp>
+        <p:nvSpPr>
+          <p:cNvPr id="9" name="椭圆 8"/>
+          <p:cNvSpPr/>
+          <p:nvPr/>
+        </p:nvSpPr>
+        <p:spPr>
+          <a:xfrm>
+            <a:off x="3127375" y="3495040"/>
+            <a:ext cx="108000" cy="108000"/>
+          </a:xfrm>
+          <a:prstGeom prst="ellipse">
+            <a:avLst/>
+          </a:prstGeom>
+        </p:spPr>
+        <p:style>
+          <a:lnRef idx="2">
+            <a:schemeClr val="accent1">
+              <a:shade val="50000"/>
+            </a:schemeClr>
+          </a:lnRef>
+          <a:fillRef idx="1">
+            <a:schemeClr val="accent1"/>
+          </a:fillRef>
+          <a:effectRef idx="0">
+            <a:schemeClr val="accent1"/>
+          </a:effectRef>
+          <a:fontRef idx="minor">
+            <a:schemeClr val="lt1"/>
+          </a:fontRef>
+        </p:style>
+        <p:txBody>
+          <a:bodyPr rtlCol="0" anchor="ctr"/>
+          <a:p>
+            <a:pPr algn="ctr"/>
+            <a:endParaRPr lang="zh-CN" altLang="en-US"/>
+          </a:p>
+        </p:txBody>
+      </p:sp>
+      <p:sp>
+        <p:nvSpPr>
+          <p:cNvPr id="10" name="椭圆 9"/>
+          <p:cNvSpPr/>
+          <p:nvPr/>
+        </p:nvSpPr>
+        <p:spPr>
+          <a:xfrm>
+            <a:off x="3127375" y="3726180"/>
+            <a:ext cx="108000" cy="108000"/>
+          </a:xfrm>
+          <a:prstGeom prst="ellipse">
+            <a:avLst/>
+          </a:prstGeom>
+        </p:spPr>
+        <p:style>
+          <a:lnRef idx="2">
+            <a:schemeClr val="accent1">
+              <a:shade val="50000"/>
+            </a:schemeClr>
+          </a:lnRef>
+          <a:fillRef idx="1">
+            <a:schemeClr val="accent1"/>
+          </a:fillRef>
+          <a:effectRef idx="0">
+            <a:schemeClr val="accent1"/>
+          </a:effectRef>
+          <a:fontRef idx="minor">
+            <a:schemeClr val="lt1"/>
+          </a:fontRef>
+        </p:style>
+        <p:txBody>
+          <a:bodyPr rtlCol="0" anchor="ctr"/>
+          <a:p>
+            <a:pPr algn="ctr"/>
+            <a:endParaRPr lang="zh-CN" altLang="en-US"/>
+          </a:p>
+        </p:txBody>
+      </p:sp>
+      <p:sp>
+        <p:nvSpPr>
+          <p:cNvPr id="11" name="右箭头 10"/>
+          <p:cNvSpPr/>
+          <p:nvPr/>
+        </p:nvSpPr>
+        <p:spPr>
+          <a:xfrm>
+            <a:off x="3675380" y="2733040"/>
+            <a:ext cx="654050" cy="332740"/>
+          </a:xfrm>
+          <a:prstGeom prst="rightArrow">
+            <a:avLst/>
+          </a:prstGeom>
+          <a:gradFill>
+            <a:gsLst>
+              <a:gs pos="0">
+                <a:srgbClr val="FECF40"/>
+              </a:gs>
+              <a:gs pos="100000">
+                <a:srgbClr val="846C21"/>
+              </a:gs>
+            </a:gsLst>
+            <a:lin scaled="0"/>
+          </a:gradFill>
+        </p:spPr>
+        <p:style>
+          <a:lnRef idx="2">
+            <a:schemeClr val="accent2">
+              <a:shade val="50000"/>
+            </a:schemeClr>
+          </a:lnRef>
+          <a:fillRef idx="1">
+            <a:schemeClr val="accent2"/>
+          </a:fillRef>
+          <a:effectRef idx="0">
+            <a:schemeClr val="accent2"/>
+          </a:effectRef>
+          <a:fontRef idx="minor">
+            <a:schemeClr val="lt1"/>
+          </a:fontRef>
+        </p:style>
+        <p:txBody>
+          <a:bodyPr rtlCol="0" anchor="ctr"/>
+          <a:p>
+            <a:pPr algn="ctr"/>
+            <a:endParaRPr lang="zh-CN" altLang="en-US"/>
+          </a:p>
+        </p:txBody>
+      </p:sp>
+      <p:sp>
+        <p:nvSpPr>
+          <p:cNvPr id="19" name="立方体 18"/>
+          <p:cNvSpPr/>
+          <p:nvPr/>
+        </p:nvSpPr>
+        <p:spPr>
+          <a:xfrm>
+            <a:off x="4463415" y="2406650"/>
+            <a:ext cx="1889125" cy="880745"/>
+          </a:xfrm>
+          <a:prstGeom prst="cube">
+            <a:avLst/>
+          </a:prstGeom>
+        </p:spPr>
+        <p:style>
+          <a:lnRef idx="2">
+            <a:schemeClr val="accent4">
+              <a:shade val="50000"/>
+            </a:schemeClr>
+          </a:lnRef>
+          <a:fillRef idx="1">
+            <a:schemeClr val="accent4"/>
+          </a:fillRef>
+          <a:effectRef idx="0">
+            <a:schemeClr val="accent4"/>
+          </a:effectRef>
+          <a:fontRef idx="minor">
+            <a:schemeClr val="lt1"/>
+          </a:fontRef>
+        </p:style>
+        <p:txBody>
+          <a:bodyPr rtlCol="0" anchor="ctr"/>
+          <a:p>
+            <a:pPr algn="ctr"/>
+            <a:endParaRPr lang="zh-CN" altLang="en-US"/>
+          </a:p>
+        </p:txBody>
+      </p:sp>
+      <p:sp>
+        <p:nvSpPr>
+          <p:cNvPr id="44" name="文本框 43"/>
+          <p:cNvSpPr txBox="1"/>
+          <p:nvPr/>
+        </p:nvSpPr>
+        <p:spPr>
+          <a:xfrm>
+            <a:off x="27940" y="3602990"/>
+            <a:ext cx="1903095" cy="368300"/>
+          </a:xfrm>
+          <a:prstGeom prst="rect">
+            <a:avLst/>
+          </a:prstGeom>
+          <a:noFill/>
+        </p:spPr>
+        <p:txBody>
+          <a:bodyPr wrap="none" rtlCol="0">
+            <a:spAutoFit/>
+          </a:bodyPr>
+          <a:p>
+            <a:r>
+              <a:rPr lang="en-US" altLang="zh-CN"/>
+              <a:t>GUI</a:t>
+            </a:r>
+            <a:r>
+              <a:rPr lang="zh-CN" altLang="en-US"/>
+              <a:t>用户草图输入</a:t>
+            </a:r>
+            <a:endParaRPr lang="zh-CN" altLang="en-US"/>
+          </a:p>
+        </p:txBody>
+      </p:sp>
+      <p:sp>
+        <p:nvSpPr>
+          <p:cNvPr id="45" name="文本框 44"/>
+          <p:cNvSpPr txBox="1"/>
+          <p:nvPr/>
+        </p:nvSpPr>
+        <p:spPr>
+          <a:xfrm>
+            <a:off x="4598035" y="2733040"/>
+            <a:ext cx="1554480" cy="368300"/>
+          </a:xfrm>
+          <a:prstGeom prst="rect">
+            <a:avLst/>
+          </a:prstGeom>
+          <a:noFill/>
+        </p:spPr>
+        <p:txBody>
+          <a:bodyPr wrap="none" rtlCol="0">
+            <a:spAutoFit/>
+          </a:bodyPr>
+          <a:p>
+            <a:r>
+              <a:rPr lang="zh-CN" altLang="en-US"/>
+              <a:t>深度学习模型</a:t>
+            </a:r>
+            <a:endParaRPr lang="zh-CN" altLang="en-US"/>
+          </a:p>
+        </p:txBody>
+      </p:sp>
+      <p:sp>
+        <p:nvSpPr>
+          <p:cNvPr id="48" name="右箭头 47"/>
+          <p:cNvSpPr/>
+          <p:nvPr/>
+        </p:nvSpPr>
+        <p:spPr>
+          <a:xfrm>
+            <a:off x="6486525" y="2733040"/>
+            <a:ext cx="663575" cy="332740"/>
+          </a:xfrm>
+          <a:prstGeom prst="rightArrow">
+            <a:avLst/>
+          </a:prstGeom>
+          <a:gradFill>
+            <a:gsLst>
+              <a:gs pos="0">
+                <a:srgbClr val="14CD68"/>
+              </a:gs>
+              <a:gs pos="100000">
+                <a:srgbClr val="0B6E38"/>
+              </a:gs>
+            </a:gsLst>
+            <a:lin scaled="0"/>
+          </a:gradFill>
+        </p:spPr>
+        <p:style>
+          <a:lnRef idx="2">
+            <a:schemeClr val="accent2">
+              <a:shade val="50000"/>
+            </a:schemeClr>
+          </a:lnRef>
+          <a:fillRef idx="1">
+            <a:schemeClr val="accent2"/>
+          </a:fillRef>
+          <a:effectRef idx="0">
+            <a:schemeClr val="accent2"/>
+          </a:effectRef>
+          <a:fontRef idx="minor">
+            <a:schemeClr val="lt1"/>
+          </a:fontRef>
+        </p:style>
+        <p:txBody>
+          <a:bodyPr rtlCol="0" anchor="ctr"/>
+          <a:p>
+            <a:pPr algn="ctr"/>
+            <a:endParaRPr lang="zh-CN" altLang="en-US"/>
+          </a:p>
+        </p:txBody>
+      </p:sp>
+      <p:pic>
+        <p:nvPicPr>
+          <p:cNvPr id="49" name="图片 48"/>
+          <p:cNvPicPr>
+            <a:picLocks noChangeAspect="1"/>
+          </p:cNvPicPr>
+          <p:nvPr/>
+        </p:nvPicPr>
+        <p:blipFill>
+          <a:blip r:embed="rId5"/>
+          <a:stretch>
+            <a:fillRect/>
+          </a:stretch>
+        </p:blipFill>
+        <p:spPr>
+          <a:xfrm>
+            <a:off x="99060" y="2475865"/>
+            <a:ext cx="1800000" cy="882150"/>
+          </a:xfrm>
+          <a:prstGeom prst="rect">
+            <a:avLst/>
+          </a:prstGeom>
+        </p:spPr>
+      </p:pic>
+      <p:sp>
+        <p:nvSpPr>
+          <p:cNvPr id="50" name="文本框 49"/>
+          <p:cNvSpPr txBox="1"/>
+          <p:nvPr/>
+        </p:nvSpPr>
+        <p:spPr>
+          <a:xfrm>
+            <a:off x="2632710" y="4697730"/>
+            <a:ext cx="1097280" cy="368300"/>
+          </a:xfrm>
+          <a:prstGeom prst="rect">
+            <a:avLst/>
+          </a:prstGeom>
+          <a:noFill/>
+        </p:spPr>
+        <p:txBody>
+          <a:bodyPr wrap="none" rtlCol="0">
+            <a:spAutoFit/>
+          </a:bodyPr>
+          <a:p>
+            <a:r>
+              <a:rPr lang="zh-CN" altLang="en-US"/>
+              <a:t>输入图像</a:t>
+            </a:r>
+            <a:endParaRPr lang="zh-CN" altLang="en-US"/>
+          </a:p>
+        </p:txBody>
+      </p:sp>
+      <p:pic>
+        <p:nvPicPr>
+          <p:cNvPr id="51" name="图片 50"/>
+          <p:cNvPicPr>
+            <a:picLocks noChangeAspect="1"/>
+          </p:cNvPicPr>
+          <p:nvPr/>
+        </p:nvPicPr>
+        <p:blipFill>
+          <a:blip r:embed="rId6"/>
+          <a:stretch>
+            <a:fillRect/>
+          </a:stretch>
+        </p:blipFill>
+        <p:spPr>
+          <a:xfrm>
+            <a:off x="7209155" y="2458720"/>
+            <a:ext cx="1800000" cy="882150"/>
+          </a:xfrm>
+          <a:prstGeom prst="rect">
+            <a:avLst/>
+          </a:prstGeom>
+        </p:spPr>
+      </p:pic>
+      <p:sp>
+        <p:nvSpPr>
+          <p:cNvPr id="52" name="文本框 51"/>
+          <p:cNvSpPr txBox="1"/>
+          <p:nvPr/>
+        </p:nvSpPr>
+        <p:spPr>
+          <a:xfrm>
+            <a:off x="7157720" y="3465830"/>
+            <a:ext cx="1903095" cy="368300"/>
+          </a:xfrm>
+          <a:prstGeom prst="rect">
+            <a:avLst/>
+          </a:prstGeom>
+          <a:noFill/>
+        </p:spPr>
+        <p:txBody>
+          <a:bodyPr wrap="none" rtlCol="0">
+            <a:spAutoFit/>
+          </a:bodyPr>
+          <a:p>
+            <a:r>
+              <a:rPr lang="en-US" altLang="zh-CN"/>
+              <a:t>GUI</a:t>
+            </a:r>
+            <a:r>
+              <a:rPr lang="zh-CN" altLang="en-US"/>
+              <a:t>用户草图输出</a:t>
+            </a:r>
+            <a:endParaRPr lang="zh-CN" altLang="en-US"/>
+          </a:p>
+        </p:txBody>
+      </p:sp>
+      <p:sp>
+        <p:nvSpPr>
+          <p:cNvPr id="53" name="右箭头 52"/>
+          <p:cNvSpPr/>
+          <p:nvPr/>
+        </p:nvSpPr>
+        <p:spPr>
+          <a:xfrm>
+            <a:off x="9068435" y="2733040"/>
+            <a:ext cx="663575" cy="332740"/>
+          </a:xfrm>
+          <a:prstGeom prst="rightArrow">
+            <a:avLst/>
+          </a:prstGeom>
+          <a:gradFill>
+            <a:gsLst>
+              <a:gs pos="0">
+                <a:srgbClr val="FE4444"/>
+              </a:gs>
+              <a:gs pos="100000">
+                <a:srgbClr val="832B2B"/>
+              </a:gs>
+            </a:gsLst>
+            <a:lin scaled="0"/>
+          </a:gradFill>
+        </p:spPr>
+        <p:style>
+          <a:lnRef idx="2">
+            <a:schemeClr val="accent2">
+              <a:shade val="50000"/>
+            </a:schemeClr>
+          </a:lnRef>
+          <a:fillRef idx="1">
+            <a:schemeClr val="accent2"/>
+          </a:fillRef>
+          <a:effectRef idx="0">
+            <a:schemeClr val="accent2"/>
+          </a:effectRef>
+          <a:fontRef idx="minor">
+            <a:schemeClr val="lt1"/>
+          </a:fontRef>
+        </p:style>
+        <p:txBody>
+          <a:bodyPr rtlCol="0" anchor="ctr"/>
+          <a:p>
+            <a:pPr algn="ctr"/>
+            <a:endParaRPr lang="zh-CN" altLang="en-US"/>
+          </a:p>
+        </p:txBody>
+      </p:sp>
+      <p:pic>
+        <p:nvPicPr>
+          <p:cNvPr id="54" name="图片 53" descr="fwd_conf_map_0"/>
+          <p:cNvPicPr>
+            <a:picLocks noChangeAspect="1"/>
+          </p:cNvPicPr>
+          <p:nvPr/>
+        </p:nvPicPr>
+        <p:blipFill>
+          <a:blip r:embed="rId7"/>
+          <a:stretch>
+            <a:fillRect/>
+          </a:stretch>
+        </p:blipFill>
+        <p:spPr>
+          <a:xfrm>
+            <a:off x="9804400" y="3395980"/>
+            <a:ext cx="720000" cy="720000"/>
+          </a:xfrm>
+          <a:prstGeom prst="rect">
+            <a:avLst/>
+          </a:prstGeom>
+        </p:spPr>
+      </p:pic>
+      <p:pic>
+        <p:nvPicPr>
+          <p:cNvPr id="55" name="图片 54" descr="fwd_depth_0"/>
+          <p:cNvPicPr>
+            <a:picLocks noChangeAspect="1"/>
+          </p:cNvPicPr>
+          <p:nvPr/>
+        </p:nvPicPr>
+        <p:blipFill>
+          <a:blip r:embed="rId8"/>
+          <a:stretch>
+            <a:fillRect/>
+          </a:stretch>
+        </p:blipFill>
+        <p:spPr>
+          <a:xfrm>
+            <a:off x="9804400" y="2675890"/>
+            <a:ext cx="720000" cy="720000"/>
+          </a:xfrm>
+          <a:prstGeom prst="rect">
+            <a:avLst/>
+          </a:prstGeom>
+        </p:spPr>
+      </p:pic>
+      <p:pic>
+        <p:nvPicPr>
+          <p:cNvPr id="56" name="图片 55" descr="fwd_normal_0"/>
+          <p:cNvPicPr>
+            <a:picLocks noChangeAspect="1"/>
+          </p:cNvPicPr>
+          <p:nvPr/>
+        </p:nvPicPr>
+        <p:blipFill>
+          <a:blip r:embed="rId9"/>
+          <a:stretch>
+            <a:fillRect/>
+          </a:stretch>
+        </p:blipFill>
+        <p:spPr>
+          <a:xfrm>
+            <a:off x="9804400" y="1955800"/>
+            <a:ext cx="720000" cy="720000"/>
+          </a:xfrm>
+          <a:prstGeom prst="rect">
+            <a:avLst/>
+          </a:prstGeom>
+        </p:spPr>
+      </p:pic>
+      <p:sp>
+        <p:nvSpPr>
+          <p:cNvPr id="57" name="文本框 56"/>
+          <p:cNvSpPr txBox="1"/>
+          <p:nvPr/>
+        </p:nvSpPr>
+        <p:spPr>
+          <a:xfrm>
+            <a:off x="9615805" y="4116070"/>
+            <a:ext cx="1097280" cy="368300"/>
+          </a:xfrm>
+          <a:prstGeom prst="rect">
+            <a:avLst/>
+          </a:prstGeom>
+          <a:noFill/>
+        </p:spPr>
+        <p:txBody>
+          <a:bodyPr wrap="none" rtlCol="0">
+            <a:spAutoFit/>
+          </a:bodyPr>
+          <a:p>
+            <a:r>
+              <a:rPr lang="zh-CN" altLang="en-US"/>
+              <a:t>输出图像</a:t>
+            </a:r>
+            <a:endParaRPr lang="zh-CN" altLang="en-US"/>
+          </a:p>
+        </p:txBody>
+      </p:sp>
+      <p:sp>
+        <p:nvSpPr>
+          <p:cNvPr id="58" name="右箭头 57"/>
+          <p:cNvSpPr/>
+          <p:nvPr/>
+        </p:nvSpPr>
+        <p:spPr>
+          <a:xfrm>
+            <a:off x="10596880" y="2750820"/>
+            <a:ext cx="663575" cy="332740"/>
+          </a:xfrm>
+          <a:prstGeom prst="rightArrow">
+            <a:avLst/>
+          </a:prstGeom>
+          <a:gradFill>
+            <a:gsLst>
+              <a:gs pos="0">
+                <a:srgbClr val="7B32B2"/>
+              </a:gs>
+              <a:gs pos="100000">
+                <a:srgbClr val="401A5D"/>
+              </a:gs>
+            </a:gsLst>
+            <a:lin scaled="0"/>
+          </a:gradFill>
+        </p:spPr>
+        <p:style>
+          <a:lnRef idx="2">
+            <a:schemeClr val="accent2">
+              <a:shade val="50000"/>
+            </a:schemeClr>
+          </a:lnRef>
+          <a:fillRef idx="1">
+            <a:schemeClr val="accent2"/>
+          </a:fillRef>
+          <a:effectRef idx="0">
+            <a:schemeClr val="accent2"/>
+          </a:effectRef>
+          <a:fontRef idx="minor">
+            <a:schemeClr val="lt1"/>
+          </a:fontRef>
+        </p:style>
+        <p:txBody>
+          <a:bodyPr rtlCol="0" anchor="ctr"/>
+          <a:p>
+            <a:pPr algn="ctr"/>
+            <a:endParaRPr lang="zh-CN" altLang="en-US"/>
+          </a:p>
+        </p:txBody>
+      </p:sp>
+      <p:pic>
+        <p:nvPicPr>
+          <p:cNvPr id="59" name="图片 58"/>
+          <p:cNvPicPr>
+            <a:picLocks noChangeAspect="1"/>
+          </p:cNvPicPr>
+          <p:nvPr/>
+        </p:nvPicPr>
+        <p:blipFill>
+          <a:blip r:embed="rId10"/>
+          <a:stretch>
+            <a:fillRect/>
+          </a:stretch>
+        </p:blipFill>
+        <p:spPr>
+          <a:xfrm>
+            <a:off x="11111865" y="1854200"/>
+            <a:ext cx="1080000" cy="729558"/>
+          </a:xfrm>
+          <a:prstGeom prst="rect">
+            <a:avLst/>
+          </a:prstGeom>
+        </p:spPr>
+      </p:pic>
+      <p:sp>
+        <p:nvSpPr>
+          <p:cNvPr id="61" name="文本框 60"/>
+          <p:cNvSpPr txBox="1"/>
+          <p:nvPr/>
+        </p:nvSpPr>
+        <p:spPr>
+          <a:xfrm>
+            <a:off x="11111865" y="2644775"/>
+            <a:ext cx="1241425" cy="368300"/>
+          </a:xfrm>
+          <a:prstGeom prst="rect">
+            <a:avLst/>
+          </a:prstGeom>
+          <a:noFill/>
+        </p:spPr>
+        <p:txBody>
+          <a:bodyPr wrap="square" rtlCol="0">
+            <a:spAutoFit/>
+          </a:bodyPr>
+          <a:p>
+            <a:r>
+              <a:rPr lang="zh-CN" altLang="en-US"/>
+              <a:t>点云</a:t>
+            </a:r>
+            <a:r>
+              <a:rPr lang="en-US" altLang="zh-CN"/>
+              <a:t>(.ply)</a:t>
+            </a:r>
+            <a:endParaRPr lang="en-US" altLang="zh-CN"/>
+          </a:p>
+        </p:txBody>
+      </p:sp>
+      <p:pic>
+        <p:nvPicPr>
+          <p:cNvPr id="62" name="图片 61"/>
+          <p:cNvPicPr>
+            <a:picLocks noChangeAspect="1"/>
+          </p:cNvPicPr>
+          <p:nvPr/>
+        </p:nvPicPr>
+        <p:blipFill>
+          <a:blip r:embed="rId11"/>
+          <a:stretch>
+            <a:fillRect/>
+          </a:stretch>
+        </p:blipFill>
+        <p:spPr>
+          <a:xfrm>
+            <a:off x="11111865" y="3074035"/>
+            <a:ext cx="1080000" cy="718404"/>
+          </a:xfrm>
+          <a:prstGeom prst="rect">
+            <a:avLst/>
+          </a:prstGeom>
+        </p:spPr>
+      </p:pic>
+      <p:sp>
+        <p:nvSpPr>
+          <p:cNvPr id="63" name="文本框 62"/>
+          <p:cNvSpPr txBox="1"/>
+          <p:nvPr/>
+        </p:nvSpPr>
+        <p:spPr>
+          <a:xfrm>
+            <a:off x="11111865" y="3805555"/>
+            <a:ext cx="1241425" cy="368300"/>
+          </a:xfrm>
+          <a:prstGeom prst="rect">
+            <a:avLst/>
+          </a:prstGeom>
+          <a:noFill/>
+        </p:spPr>
+        <p:txBody>
+          <a:bodyPr wrap="square" rtlCol="0">
+            <a:spAutoFit/>
+          </a:bodyPr>
+          <a:p>
+            <a:r>
+              <a:rPr lang="zh-CN" altLang="en-US"/>
+              <a:t>体素</a:t>
+            </a:r>
+            <a:r>
+              <a:rPr lang="en-US" altLang="zh-CN"/>
+              <a:t>(.obj)</a:t>
+            </a:r>
+            <a:endParaRPr lang="en-US" altLang="zh-CN"/>
+          </a:p>
+        </p:txBody>
+      </p:sp>
+      <p:pic>
+        <p:nvPicPr>
+          <p:cNvPr id="64" name="图片 63"/>
+          <p:cNvPicPr>
+            <a:picLocks noChangeAspect="1"/>
+          </p:cNvPicPr>
+          <p:nvPr/>
+        </p:nvPicPr>
+        <p:blipFill>
+          <a:blip r:embed="rId12"/>
+          <a:stretch>
+            <a:fillRect/>
+          </a:stretch>
+        </p:blipFill>
+        <p:spPr>
+          <a:xfrm>
+            <a:off x="11096625" y="4187190"/>
+            <a:ext cx="1080000" cy="734110"/>
+          </a:xfrm>
+          <a:prstGeom prst="rect">
+            <a:avLst/>
+          </a:prstGeom>
+        </p:spPr>
+      </p:pic>
+      <p:sp>
+        <p:nvSpPr>
+          <p:cNvPr id="65" name="文本框 64"/>
+          <p:cNvSpPr txBox="1"/>
+          <p:nvPr/>
+        </p:nvSpPr>
+        <p:spPr>
+          <a:xfrm>
+            <a:off x="11111865" y="4966335"/>
+            <a:ext cx="1241425" cy="368300"/>
+          </a:xfrm>
+          <a:prstGeom prst="rect">
+            <a:avLst/>
+          </a:prstGeom>
+          <a:noFill/>
+        </p:spPr>
+        <p:txBody>
+          <a:bodyPr wrap="square" rtlCol="0">
+            <a:spAutoFit/>
+          </a:bodyPr>
+          <a:p>
+            <a:r>
+              <a:rPr lang="zh-CN" altLang="en-US"/>
+              <a:t>网格</a:t>
+            </a:r>
+            <a:r>
+              <a:rPr lang="en-US" altLang="zh-CN"/>
+              <a:t>(.obj)</a:t>
+            </a:r>
+            <a:endParaRPr lang="en-US" altLang="zh-CN"/>
+          </a:p>
+        </p:txBody>
+      </p:sp>
+      <p:sp>
+        <p:nvSpPr>
+          <p:cNvPr id="66" name="左大括号 65"/>
+          <p:cNvSpPr/>
+          <p:nvPr/>
+        </p:nvSpPr>
+        <p:spPr>
+          <a:xfrm rot="16200000">
+            <a:off x="1576070" y="4179570"/>
+            <a:ext cx="487680" cy="3442335"/>
+          </a:xfrm>
+          <a:prstGeom prst="leftBrace">
+            <a:avLst/>
+          </a:prstGeom>
+          <a:ln>
+            <a:gradFill>
+              <a:gsLst>
+                <a:gs pos="0">
+                  <a:srgbClr val="007BD3"/>
+                </a:gs>
+                <a:gs pos="100000">
+                  <a:srgbClr val="034373"/>
+                </a:gs>
+              </a:gsLst>
+            </a:gradFill>
+          </a:ln>
+        </p:spPr>
+        <p:style>
+          <a:lnRef idx="3">
+            <a:schemeClr val="dk1"/>
+          </a:lnRef>
+          <a:fillRef idx="0">
+            <a:schemeClr val="dk1"/>
+          </a:fillRef>
+          <a:effectRef idx="2">
+            <a:schemeClr val="dk1"/>
+          </a:effectRef>
+          <a:fontRef idx="minor">
+            <a:schemeClr val="tx1"/>
+          </a:fontRef>
+        </p:style>
+        <p:txBody>
+          <a:bodyPr rtlCol="0" anchor="ctr"/>
+          <a:p>
+            <a:pPr algn="ctr"/>
+            <a:endParaRPr lang="zh-CN" altLang="en-US"/>
+          </a:p>
+        </p:txBody>
+      </p:sp>
+      <p:sp>
+        <p:nvSpPr>
+          <p:cNvPr id="67" name="左大括号 66"/>
+          <p:cNvSpPr/>
+          <p:nvPr/>
+        </p:nvSpPr>
+        <p:spPr>
+          <a:xfrm rot="16200000">
+            <a:off x="6485255" y="2825750"/>
+            <a:ext cx="487680" cy="6149975"/>
+          </a:xfrm>
+          <a:prstGeom prst="leftBrace">
+            <a:avLst/>
+          </a:prstGeom>
+          <a:ln>
+            <a:gradFill>
+              <a:gsLst>
+                <a:gs pos="0">
+                  <a:srgbClr val="9EE256"/>
+                </a:gs>
+                <a:gs pos="100000">
+                  <a:srgbClr val="52762D"/>
+                </a:gs>
+              </a:gsLst>
+            </a:gradFill>
+          </a:ln>
+        </p:spPr>
+        <p:style>
+          <a:lnRef idx="3">
+            <a:schemeClr val="dk1"/>
+          </a:lnRef>
+          <a:fillRef idx="0">
+            <a:schemeClr val="dk1"/>
+          </a:fillRef>
+          <a:effectRef idx="2">
+            <a:schemeClr val="dk1"/>
+          </a:effectRef>
+          <a:fontRef idx="minor">
+            <a:schemeClr val="tx1"/>
+          </a:fontRef>
+        </p:style>
+        <p:txBody>
+          <a:bodyPr rtlCol="0" anchor="ctr"/>
+          <a:p>
+            <a:pPr algn="ctr"/>
+            <a:endParaRPr lang="zh-CN" altLang="en-US"/>
+          </a:p>
+        </p:txBody>
+      </p:sp>
+      <p:sp>
+        <p:nvSpPr>
+          <p:cNvPr id="68" name="左大括号 67"/>
+          <p:cNvSpPr/>
+          <p:nvPr/>
+        </p:nvSpPr>
+        <p:spPr>
+          <a:xfrm rot="16200000">
+            <a:off x="10746740" y="4714875"/>
+            <a:ext cx="487680" cy="2372995"/>
+          </a:xfrm>
+          <a:prstGeom prst="leftBrace">
+            <a:avLst/>
+          </a:prstGeom>
+          <a:ln>
+            <a:gradFill>
+              <a:gsLst>
+                <a:gs pos="0">
+                  <a:srgbClr val="7B32B2"/>
+                </a:gs>
+                <a:gs pos="100000">
+                  <a:srgbClr val="401A5D"/>
+                </a:gs>
+              </a:gsLst>
+            </a:gradFill>
+          </a:ln>
+        </p:spPr>
+        <p:style>
+          <a:lnRef idx="3">
+            <a:schemeClr val="dk1"/>
+          </a:lnRef>
+          <a:fillRef idx="0">
+            <a:schemeClr val="dk1"/>
+          </a:fillRef>
+          <a:effectRef idx="2">
+            <a:schemeClr val="dk1"/>
+          </a:effectRef>
+          <a:fontRef idx="minor">
+            <a:schemeClr val="tx1"/>
+          </a:fontRef>
+        </p:style>
+        <p:txBody>
+          <a:bodyPr rtlCol="0" anchor="ctr"/>
+          <a:p>
+            <a:pPr algn="ctr"/>
+            <a:endParaRPr lang="zh-CN" altLang="en-US"/>
+          </a:p>
+        </p:txBody>
+      </p:sp>
+      <p:sp>
+        <p:nvSpPr>
+          <p:cNvPr id="69" name="文本框 68"/>
+          <p:cNvSpPr txBox="1"/>
+          <p:nvPr/>
+        </p:nvSpPr>
+        <p:spPr>
+          <a:xfrm>
+            <a:off x="1385570" y="6297930"/>
+            <a:ext cx="868680" cy="368300"/>
+          </a:xfrm>
+          <a:prstGeom prst="rect">
+            <a:avLst/>
+          </a:prstGeom>
+          <a:noFill/>
+        </p:spPr>
+        <p:txBody>
+          <a:bodyPr wrap="none" rtlCol="0">
+            <a:spAutoFit/>
+          </a:bodyPr>
+          <a:p>
+            <a:r>
+              <a:rPr lang="zh-CN" altLang="en-US"/>
+              <a:t>预处理</a:t>
+            </a:r>
+            <a:endParaRPr lang="zh-CN" altLang="en-US"/>
+          </a:p>
+        </p:txBody>
+      </p:sp>
+      <p:sp>
+        <p:nvSpPr>
+          <p:cNvPr id="70" name="文本框 69"/>
+          <p:cNvSpPr txBox="1"/>
+          <p:nvPr/>
+        </p:nvSpPr>
+        <p:spPr>
+          <a:xfrm>
+            <a:off x="6269355" y="6221730"/>
+            <a:ext cx="1097280" cy="368300"/>
+          </a:xfrm>
+          <a:prstGeom prst="rect">
+            <a:avLst/>
+          </a:prstGeom>
+          <a:noFill/>
+        </p:spPr>
+        <p:txBody>
+          <a:bodyPr wrap="none" rtlCol="0">
+            <a:spAutoFit/>
+          </a:bodyPr>
+          <a:p>
+            <a:r>
+              <a:rPr lang="zh-CN" altLang="en-US"/>
+              <a:t>模型推理</a:t>
+            </a:r>
+            <a:endParaRPr lang="zh-CN" altLang="en-US"/>
+          </a:p>
+        </p:txBody>
+      </p:sp>
+      <p:sp>
+        <p:nvSpPr>
+          <p:cNvPr id="71" name="文本框 70"/>
+          <p:cNvSpPr txBox="1"/>
+          <p:nvPr/>
+        </p:nvSpPr>
+        <p:spPr>
+          <a:xfrm>
+            <a:off x="10556875" y="6183630"/>
+            <a:ext cx="868680" cy="368300"/>
+          </a:xfrm>
+          <a:prstGeom prst="rect">
+            <a:avLst/>
+          </a:prstGeom>
+          <a:noFill/>
+        </p:spPr>
+        <p:txBody>
+          <a:bodyPr wrap="none" rtlCol="0">
+            <a:spAutoFit/>
+          </a:bodyPr>
+          <a:p>
+            <a:r>
+              <a:rPr lang="zh-CN" altLang="en-US"/>
+              <a:t>后处理</a:t>
+            </a:r>
+            <a:endParaRPr lang="zh-CN" altLang="en-US"/>
+          </a:p>
+        </p:txBody>
+      </p:sp>
+    </p:spTree>
+  </p:cSld>
+  <p:clrMapOvr>
+    <a:masterClrMapping/>
+  </p:clrMapOvr>
+</p:sld>
+</file>
+
+<file path=ppt/slides/slide29.xml><?xml version="1.0" encoding="utf-8"?>
+<p:sld xmlns:a="http://schemas.openxmlformats.org/drawingml/2006/main" xmlns:r="http://schemas.openxmlformats.org/officeDocument/2006/relationships" xmlns:p="http://schemas.openxmlformats.org/presentationml/2006/main">
+  <p:cSld>
+    <p:spTree>
+      <p:nvGrpSpPr>
+        <p:cNvPr id="1" name=""/>
+        <p:cNvGrpSpPr/>
+        <p:nvPr/>
+      </p:nvGrpSpPr>
+      <p:grpSpPr>
+        <a:xfrm>
+          <a:off x="0" y="0"/>
+          <a:ext cx="0" cy="0"/>
+          <a:chOff x="0" y="0"/>
+          <a:chExt cx="0" cy="0"/>
+        </a:xfrm>
+      </p:grpSpPr>
+      <p:pic>
+        <p:nvPicPr>
+          <p:cNvPr id="13" name="图片 12" descr="fwd_normal_6"/>
+          <p:cNvPicPr>
+            <a:picLocks noChangeAspect="1"/>
+          </p:cNvPicPr>
+          <p:nvPr/>
+        </p:nvPicPr>
+        <p:blipFill>
+          <a:blip r:embed="rId1"/>
+          <a:stretch>
+            <a:fillRect/>
+          </a:stretch>
+        </p:blipFill>
+        <p:spPr>
+          <a:xfrm rot="5400000">
+            <a:off x="7445600" y="4598035"/>
+            <a:ext cx="1800000" cy="1800000"/>
+          </a:xfrm>
+          <a:prstGeom prst="rect">
+            <a:avLst/>
+          </a:prstGeom>
+        </p:spPr>
+      </p:pic>
+      <p:sp>
+        <p:nvSpPr>
+          <p:cNvPr id="42" name="矩形 41"/>
+          <p:cNvSpPr/>
+          <p:nvPr/>
+        </p:nvSpPr>
+        <p:spPr>
+          <a:xfrm>
+            <a:off x="785495" y="0"/>
+            <a:ext cx="11109325" cy="4485640"/>
+          </a:xfrm>
+          <a:prstGeom prst="rect">
+            <a:avLst/>
+          </a:prstGeom>
+          <a:noFill/>
+          <a:ln>
+            <a:solidFill>
+              <a:schemeClr val="accent1"/>
+            </a:solidFill>
+          </a:ln>
+          <a:extLst>
+            <a:ext uri="{909E8E84-426E-40DD-AFC4-6F175D3DCCD1}">
+              <a14:hiddenFill xmlns:a14="http://schemas.microsoft.com/office/drawing/2010/main">
+                <a:solidFill>
+                  <a:schemeClr val="accent1"/>
+                </a:solidFill>
+              </a14:hiddenFill>
+            </a:ext>
+          </a:extLst>
+        </p:spPr>
+        <p:style>
+          <a:lnRef idx="2">
+            <a:schemeClr val="accent1">
+              <a:shade val="50000"/>
+            </a:schemeClr>
+          </a:lnRef>
+          <a:fillRef idx="1">
+            <a:schemeClr val="accent1"/>
+          </a:fillRef>
+          <a:effectRef idx="0">
+            <a:schemeClr val="accent1"/>
+          </a:effectRef>
+          <a:fontRef idx="minor">
+            <a:schemeClr val="lt1"/>
+          </a:fontRef>
+        </p:style>
+        <p:txBody>
+          <a:bodyPr rtlCol="0" anchor="ctr"/>
+          <a:p>
+            <a:pPr algn="ctr"/>
+            <a:endParaRPr lang="zh-CN" altLang="en-US"/>
+          </a:p>
+        </p:txBody>
+      </p:sp>
+      <p:pic>
+        <p:nvPicPr>
+          <p:cNvPr id="14" name="图片 13" descr="fwd_conf_map_6"/>
+          <p:cNvPicPr>
+            <a:picLocks noChangeAspect="1"/>
+          </p:cNvPicPr>
+          <p:nvPr/>
+        </p:nvPicPr>
+        <p:blipFill>
+          <a:blip r:embed="rId2"/>
+          <a:stretch>
+            <a:fillRect/>
+          </a:stretch>
+        </p:blipFill>
+        <p:spPr>
+          <a:xfrm rot="5400000">
+            <a:off x="3845150" y="4598035"/>
+            <a:ext cx="1800000" cy="1800000"/>
+          </a:xfrm>
+          <a:prstGeom prst="rect">
+            <a:avLst/>
+          </a:prstGeom>
+        </p:spPr>
+      </p:pic>
+      <p:pic>
+        <p:nvPicPr>
+          <p:cNvPr id="15" name="图片 14" descr="fwd_depth_6"/>
+          <p:cNvPicPr>
+            <a:picLocks noChangeAspect="1"/>
+          </p:cNvPicPr>
+          <p:nvPr/>
+        </p:nvPicPr>
+        <p:blipFill>
+          <a:blip r:embed="rId3"/>
+          <a:stretch>
+            <a:fillRect/>
+          </a:stretch>
+        </p:blipFill>
+        <p:spPr>
+          <a:xfrm rot="5400000">
+            <a:off x="5645375" y="4598035"/>
+            <a:ext cx="1800000" cy="1800000"/>
+          </a:xfrm>
+          <a:prstGeom prst="rect">
+            <a:avLst/>
+          </a:prstGeom>
+        </p:spPr>
+      </p:pic>
+      <p:pic>
+        <p:nvPicPr>
+          <p:cNvPr id="16" name="图片 15" descr="sLMask_6"/>
+          <p:cNvPicPr>
+            <a:picLocks noChangeAspect="1"/>
+          </p:cNvPicPr>
+          <p:nvPr/>
+        </p:nvPicPr>
+        <p:blipFill>
+          <a:blip r:embed="rId4"/>
+          <a:stretch>
+            <a:fillRect/>
+          </a:stretch>
+        </p:blipFill>
+        <p:spPr>
+          <a:xfrm>
+            <a:off x="8996680" y="2336800"/>
+            <a:ext cx="1800000" cy="1800000"/>
+          </a:xfrm>
+          <a:prstGeom prst="rect">
+            <a:avLst/>
+          </a:prstGeom>
+        </p:spPr>
+      </p:pic>
+      <p:pic>
+        <p:nvPicPr>
+          <p:cNvPr id="17" name="图片 16" descr="2dMask_6"/>
+          <p:cNvPicPr>
+            <a:picLocks noChangeAspect="1"/>
+          </p:cNvPicPr>
+          <p:nvPr/>
+        </p:nvPicPr>
+        <p:blipFill>
+          <a:blip r:embed="rId5"/>
+          <a:stretch>
+            <a:fillRect/>
+          </a:stretch>
+        </p:blipFill>
+        <p:spPr>
+          <a:xfrm rot="5400000">
+            <a:off x="1793465" y="0"/>
+            <a:ext cx="1800000" cy="1800000"/>
+          </a:xfrm>
+          <a:prstGeom prst="rect">
+            <a:avLst/>
+          </a:prstGeom>
+        </p:spPr>
+      </p:pic>
+      <p:pic>
+        <p:nvPicPr>
+          <p:cNvPr id="18" name="图片 17" descr="clIMask_6"/>
+          <p:cNvPicPr>
+            <a:picLocks noChangeAspect="1"/>
+          </p:cNvPicPr>
+          <p:nvPr/>
+        </p:nvPicPr>
+        <p:blipFill>
+          <a:blip r:embed="rId6"/>
+          <a:stretch>
+            <a:fillRect/>
+          </a:stretch>
+        </p:blipFill>
+        <p:spPr>
+          <a:xfrm rot="5400000">
+            <a:off x="5393915" y="0"/>
+            <a:ext cx="1800000" cy="1800000"/>
+          </a:xfrm>
+          <a:prstGeom prst="rect">
+            <a:avLst/>
+          </a:prstGeom>
+        </p:spPr>
+      </p:pic>
+      <p:pic>
+        <p:nvPicPr>
+          <p:cNvPr id="20" name="图片 19" descr="ds_6"/>
+          <p:cNvPicPr>
+            <a:picLocks noChangeAspect="1"/>
+          </p:cNvPicPr>
+          <p:nvPr/>
+        </p:nvPicPr>
+        <p:blipFill>
+          <a:blip r:embed="rId7"/>
+          <a:stretch>
+            <a:fillRect/>
+          </a:stretch>
+        </p:blipFill>
+        <p:spPr>
+          <a:xfrm rot="5400000">
+            <a:off x="7194140" y="0"/>
+            <a:ext cx="1800000" cy="1800000"/>
+          </a:xfrm>
+          <a:prstGeom prst="rect">
+            <a:avLst/>
+          </a:prstGeom>
+        </p:spPr>
+      </p:pic>
+      <p:pic>
+        <p:nvPicPr>
+          <p:cNvPr id="21" name="图片 20" descr="dsMask_6"/>
+          <p:cNvPicPr>
+            <a:picLocks noChangeAspect="1"/>
+          </p:cNvPicPr>
+          <p:nvPr/>
+        </p:nvPicPr>
+        <p:blipFill>
+          <a:blip r:embed="rId8"/>
+          <a:stretch>
+            <a:fillRect/>
+          </a:stretch>
+        </p:blipFill>
+        <p:spPr>
+          <a:xfrm rot="5400000">
+            <a:off x="8994365" y="0"/>
+            <a:ext cx="1800000" cy="1800000"/>
+          </a:xfrm>
+          <a:prstGeom prst="rect">
+            <a:avLst/>
+          </a:prstGeom>
+        </p:spPr>
+      </p:pic>
+      <p:pic>
+        <p:nvPicPr>
+          <p:cNvPr id="22" name="图片 21" descr="fLInvMask_6"/>
+          <p:cNvPicPr>
+            <a:picLocks noChangeAspect="1"/>
+          </p:cNvPicPr>
+          <p:nvPr/>
+        </p:nvPicPr>
+        <p:blipFill>
+          <a:blip r:embed="rId9"/>
+          <a:stretch>
+            <a:fillRect/>
+          </a:stretch>
+        </p:blipFill>
+        <p:spPr>
+          <a:xfrm rot="5400000">
+            <a:off x="3588610" y="2336800"/>
+            <a:ext cx="1800000" cy="1800000"/>
+          </a:xfrm>
+          <a:prstGeom prst="rect">
+            <a:avLst/>
+          </a:prstGeom>
+        </p:spPr>
+      </p:pic>
+      <p:pic>
+        <p:nvPicPr>
+          <p:cNvPr id="23" name="图片 22" descr="fLMask_6"/>
+          <p:cNvPicPr>
+            <a:picLocks noChangeAspect="1"/>
+          </p:cNvPicPr>
+          <p:nvPr/>
+        </p:nvPicPr>
+        <p:blipFill>
+          <a:blip r:embed="rId10"/>
+          <a:stretch>
+            <a:fillRect/>
+          </a:stretch>
+        </p:blipFill>
+        <p:spPr>
+          <a:xfrm rot="5400000">
+            <a:off x="5391375" y="2336800"/>
+            <a:ext cx="1800000" cy="1800000"/>
+          </a:xfrm>
+          <a:prstGeom prst="rect">
+            <a:avLst/>
+          </a:prstGeom>
+        </p:spPr>
+      </p:pic>
+      <p:pic>
+        <p:nvPicPr>
+          <p:cNvPr id="24" name="图片 23" descr="npr_6"/>
+          <p:cNvPicPr>
+            <a:picLocks noChangeAspect="1"/>
+          </p:cNvPicPr>
+          <p:nvPr/>
+        </p:nvPicPr>
+        <p:blipFill>
+          <a:blip r:embed="rId11"/>
+          <a:stretch>
+            <a:fillRect/>
+          </a:stretch>
+        </p:blipFill>
+        <p:spPr>
+          <a:xfrm rot="5400000">
+            <a:off x="1793465" y="2336800"/>
+            <a:ext cx="1800000" cy="1800000"/>
+          </a:xfrm>
+          <a:prstGeom prst="rect">
+            <a:avLst/>
+          </a:prstGeom>
+        </p:spPr>
+      </p:pic>
+      <p:pic>
+        <p:nvPicPr>
+          <p:cNvPr id="25" name="图片 24" descr="shapeMask_6"/>
+          <p:cNvPicPr>
+            <a:picLocks noChangeAspect="1"/>
+          </p:cNvPicPr>
+          <p:nvPr/>
+        </p:nvPicPr>
+        <p:blipFill>
+          <a:blip r:embed="rId12"/>
+          <a:stretch>
+            <a:fillRect/>
+          </a:stretch>
+        </p:blipFill>
+        <p:spPr>
+          <a:xfrm rot="5400000">
+            <a:off x="3593690" y="0"/>
+            <a:ext cx="1800000" cy="1800000"/>
+          </a:xfrm>
+          <a:prstGeom prst="rect">
+            <a:avLst/>
+          </a:prstGeom>
+        </p:spPr>
+      </p:pic>
+      <p:pic>
+        <p:nvPicPr>
+          <p:cNvPr id="26" name="图片 25" descr="curvMag"/>
+          <p:cNvPicPr>
+            <a:picLocks noChangeAspect="1"/>
+          </p:cNvPicPr>
+          <p:nvPr/>
+        </p:nvPicPr>
+        <p:blipFill>
+          <a:blip r:embed="rId13"/>
+          <a:stretch>
+            <a:fillRect/>
+          </a:stretch>
+        </p:blipFill>
+        <p:spPr>
+          <a:xfrm>
+            <a:off x="7193915" y="2336800"/>
+            <a:ext cx="1800000" cy="1800000"/>
+          </a:xfrm>
+          <a:prstGeom prst="rect">
+            <a:avLst/>
+          </a:prstGeom>
+        </p:spPr>
+      </p:pic>
+      <p:sp>
+        <p:nvSpPr>
+          <p:cNvPr id="27" name="文本框 26"/>
+          <p:cNvSpPr txBox="1"/>
+          <p:nvPr/>
+        </p:nvSpPr>
+        <p:spPr>
+          <a:xfrm>
+            <a:off x="785495" y="2133600"/>
+            <a:ext cx="459740" cy="548640"/>
+          </a:xfrm>
+          <a:prstGeom prst="rect">
+            <a:avLst/>
+          </a:prstGeom>
+          <a:noFill/>
+        </p:spPr>
+        <p:txBody>
+          <a:bodyPr vert="eaVert" wrap="none" rtlCol="0">
+            <a:spAutoFit/>
+          </a:bodyPr>
+          <a:p>
+            <a:r>
+              <a:rPr lang="zh-CN" altLang="en-US"/>
+              <a:t>输入</a:t>
+            </a:r>
+            <a:endParaRPr lang="zh-CN" altLang="en-US"/>
+          </a:p>
+        </p:txBody>
+      </p:sp>
+      <p:sp>
+        <p:nvSpPr>
+          <p:cNvPr id="28" name="文本框 27"/>
+          <p:cNvSpPr txBox="1"/>
+          <p:nvPr/>
+        </p:nvSpPr>
+        <p:spPr>
+          <a:xfrm>
+            <a:off x="785495" y="5365750"/>
+            <a:ext cx="459740" cy="548640"/>
+          </a:xfrm>
+          <a:prstGeom prst="rect">
+            <a:avLst/>
+          </a:prstGeom>
+          <a:noFill/>
+        </p:spPr>
+        <p:txBody>
+          <a:bodyPr vert="eaVert" wrap="none" rtlCol="0">
+            <a:spAutoFit/>
+          </a:bodyPr>
+          <a:p>
+            <a:r>
+              <a:rPr lang="zh-CN" altLang="en-US"/>
+              <a:t>输出</a:t>
+            </a:r>
+            <a:endParaRPr lang="zh-CN" altLang="en-US"/>
+          </a:p>
+        </p:txBody>
+      </p:sp>
+      <p:sp>
+        <p:nvSpPr>
+          <p:cNvPr id="29" name="文本框 28"/>
+          <p:cNvSpPr txBox="1"/>
+          <p:nvPr/>
+        </p:nvSpPr>
+        <p:spPr>
+          <a:xfrm>
+            <a:off x="2235835" y="1884045"/>
+            <a:ext cx="916940" cy="368300"/>
+          </a:xfrm>
+          <a:prstGeom prst="rect">
+            <a:avLst/>
+          </a:prstGeom>
+          <a:noFill/>
+        </p:spPr>
+        <p:txBody>
+          <a:bodyPr wrap="square" rtlCol="0">
+            <a:spAutoFit/>
+          </a:bodyPr>
+          <a:p>
+            <a:pPr algn="l"/>
+            <a:r>
+              <a:rPr lang="en-US" altLang="zh-CN"/>
+              <a:t>2dMask</a:t>
+            </a:r>
+            <a:endParaRPr lang="en-US" altLang="zh-CN"/>
+          </a:p>
+        </p:txBody>
+      </p:sp>
+      <p:sp>
+        <p:nvSpPr>
+          <p:cNvPr id="30" name="文本框 29"/>
+          <p:cNvSpPr txBox="1"/>
+          <p:nvPr/>
+        </p:nvSpPr>
+        <p:spPr>
+          <a:xfrm>
+            <a:off x="3876675" y="1884045"/>
+            <a:ext cx="1233805" cy="368300"/>
+          </a:xfrm>
+          <a:prstGeom prst="rect">
+            <a:avLst/>
+          </a:prstGeom>
+          <a:noFill/>
+        </p:spPr>
+        <p:txBody>
+          <a:bodyPr wrap="none" rtlCol="0">
+            <a:spAutoFit/>
+          </a:bodyPr>
+          <a:p>
+            <a:pPr algn="l"/>
+            <a:r>
+              <a:rPr lang="en-US" altLang="zh-CN"/>
+              <a:t>shapeMask</a:t>
+            </a:r>
+            <a:endParaRPr lang="en-US" altLang="zh-CN"/>
+          </a:p>
+        </p:txBody>
+      </p:sp>
+      <p:sp>
+        <p:nvSpPr>
+          <p:cNvPr id="31" name="文本框 30"/>
+          <p:cNvSpPr txBox="1"/>
+          <p:nvPr/>
+        </p:nvSpPr>
+        <p:spPr>
+          <a:xfrm>
+            <a:off x="5838825" y="1884045"/>
+            <a:ext cx="888365" cy="368300"/>
+          </a:xfrm>
+          <a:prstGeom prst="rect">
+            <a:avLst/>
+          </a:prstGeom>
+          <a:noFill/>
+        </p:spPr>
+        <p:txBody>
+          <a:bodyPr wrap="none" rtlCol="0">
+            <a:spAutoFit/>
+          </a:bodyPr>
+          <a:p>
+            <a:pPr algn="l"/>
+            <a:r>
+              <a:rPr lang="en-US" altLang="zh-CN"/>
+              <a:t>clIMask</a:t>
+            </a:r>
+            <a:endParaRPr lang="en-US" altLang="zh-CN"/>
+          </a:p>
+        </p:txBody>
+      </p:sp>
+      <p:sp>
+        <p:nvSpPr>
+          <p:cNvPr id="32" name="文本框 31"/>
+          <p:cNvSpPr txBox="1"/>
+          <p:nvPr/>
+        </p:nvSpPr>
+        <p:spPr>
+          <a:xfrm>
+            <a:off x="7898130" y="1884680"/>
+            <a:ext cx="392430" cy="368300"/>
+          </a:xfrm>
+          <a:prstGeom prst="rect">
+            <a:avLst/>
+          </a:prstGeom>
+          <a:noFill/>
+        </p:spPr>
+        <p:txBody>
+          <a:bodyPr wrap="none" rtlCol="0">
+            <a:spAutoFit/>
+          </a:bodyPr>
+          <a:p>
+            <a:pPr algn="l"/>
+            <a:r>
+              <a:rPr lang="en-US" altLang="zh-CN"/>
+              <a:t>ds</a:t>
+            </a:r>
+            <a:endParaRPr lang="en-US" altLang="zh-CN"/>
+          </a:p>
+        </p:txBody>
+      </p:sp>
+      <p:sp>
+        <p:nvSpPr>
+          <p:cNvPr id="33" name="文本框 32"/>
+          <p:cNvSpPr txBox="1"/>
+          <p:nvPr/>
+        </p:nvSpPr>
+        <p:spPr>
+          <a:xfrm>
+            <a:off x="9413240" y="1884680"/>
+            <a:ext cx="890905" cy="368300"/>
+          </a:xfrm>
+          <a:prstGeom prst="rect">
+            <a:avLst/>
+          </a:prstGeom>
+          <a:noFill/>
+        </p:spPr>
+        <p:txBody>
+          <a:bodyPr wrap="none" rtlCol="0">
+            <a:spAutoFit/>
+          </a:bodyPr>
+          <a:p>
+            <a:pPr algn="l"/>
+            <a:r>
+              <a:rPr lang="en-US" altLang="zh-CN"/>
+              <a:t>dsMask</a:t>
+            </a:r>
+            <a:endParaRPr lang="en-US" altLang="zh-CN"/>
+          </a:p>
+        </p:txBody>
+      </p:sp>
+      <p:sp>
+        <p:nvSpPr>
+          <p:cNvPr id="34" name="文本框 33"/>
+          <p:cNvSpPr txBox="1"/>
+          <p:nvPr/>
+        </p:nvSpPr>
+        <p:spPr>
+          <a:xfrm>
+            <a:off x="2441575" y="4137025"/>
+            <a:ext cx="502920" cy="368300"/>
+          </a:xfrm>
+          <a:prstGeom prst="rect">
+            <a:avLst/>
+          </a:prstGeom>
+          <a:noFill/>
+        </p:spPr>
+        <p:txBody>
+          <a:bodyPr wrap="none" rtlCol="0">
+            <a:spAutoFit/>
+          </a:bodyPr>
+          <a:p>
+            <a:pPr algn="l"/>
+            <a:r>
+              <a:rPr lang="en-US" altLang="zh-CN"/>
+              <a:t>npr</a:t>
+            </a:r>
+            <a:endParaRPr lang="en-US" altLang="zh-CN"/>
+          </a:p>
+        </p:txBody>
+      </p:sp>
+      <p:sp>
+        <p:nvSpPr>
+          <p:cNvPr id="35" name="文本框 34"/>
+          <p:cNvSpPr txBox="1"/>
+          <p:nvPr/>
+        </p:nvSpPr>
+        <p:spPr>
+          <a:xfrm>
+            <a:off x="3931285" y="4137660"/>
+            <a:ext cx="1124585" cy="368300"/>
+          </a:xfrm>
+          <a:prstGeom prst="rect">
+            <a:avLst/>
+          </a:prstGeom>
+          <a:noFill/>
+        </p:spPr>
+        <p:txBody>
+          <a:bodyPr wrap="none" rtlCol="0">
+            <a:spAutoFit/>
+          </a:bodyPr>
+          <a:p>
+            <a:pPr algn="l"/>
+            <a:r>
+              <a:rPr lang="en-US" altLang="zh-CN"/>
+              <a:t>fLInvMask</a:t>
+            </a:r>
+            <a:endParaRPr lang="en-US" altLang="zh-CN"/>
+          </a:p>
+        </p:txBody>
+      </p:sp>
+      <p:sp>
+        <p:nvSpPr>
+          <p:cNvPr id="36" name="文本框 35"/>
+          <p:cNvSpPr txBox="1"/>
+          <p:nvPr/>
+        </p:nvSpPr>
+        <p:spPr>
+          <a:xfrm>
+            <a:off x="5867400" y="4137025"/>
+            <a:ext cx="847090" cy="368300"/>
+          </a:xfrm>
+          <a:prstGeom prst="rect">
+            <a:avLst/>
+          </a:prstGeom>
+          <a:noFill/>
+        </p:spPr>
+        <p:txBody>
+          <a:bodyPr wrap="none" rtlCol="0">
+            <a:spAutoFit/>
+          </a:bodyPr>
+          <a:p>
+            <a:pPr algn="l"/>
+            <a:r>
+              <a:rPr lang="en-US" altLang="zh-CN"/>
+              <a:t>fLMask</a:t>
+            </a:r>
+            <a:endParaRPr lang="en-US" altLang="zh-CN"/>
+          </a:p>
+        </p:txBody>
+      </p:sp>
+      <p:sp>
+        <p:nvSpPr>
+          <p:cNvPr id="37" name="文本框 36"/>
+          <p:cNvSpPr txBox="1"/>
+          <p:nvPr/>
+        </p:nvSpPr>
+        <p:spPr>
+          <a:xfrm>
+            <a:off x="7595870" y="4137660"/>
+            <a:ext cx="996950" cy="368300"/>
+          </a:xfrm>
+          <a:prstGeom prst="rect">
+            <a:avLst/>
+          </a:prstGeom>
+          <a:noFill/>
+        </p:spPr>
+        <p:txBody>
+          <a:bodyPr wrap="none" rtlCol="0">
+            <a:spAutoFit/>
+          </a:bodyPr>
+          <a:p>
+            <a:pPr algn="l"/>
+            <a:r>
+              <a:rPr lang="en-US" altLang="zh-CN"/>
+              <a:t>curvMag</a:t>
+            </a:r>
+            <a:endParaRPr lang="en-US" altLang="zh-CN"/>
+          </a:p>
+        </p:txBody>
+      </p:sp>
+      <p:sp>
+        <p:nvSpPr>
+          <p:cNvPr id="38" name="文本框 37"/>
+          <p:cNvSpPr txBox="1"/>
+          <p:nvPr/>
+        </p:nvSpPr>
+        <p:spPr>
+          <a:xfrm>
+            <a:off x="9432290" y="4137660"/>
+            <a:ext cx="866775" cy="368300"/>
+          </a:xfrm>
+          <a:prstGeom prst="rect">
+            <a:avLst/>
+          </a:prstGeom>
+          <a:noFill/>
+        </p:spPr>
+        <p:txBody>
+          <a:bodyPr wrap="none" rtlCol="0">
+            <a:spAutoFit/>
+          </a:bodyPr>
+          <a:p>
+            <a:pPr algn="l"/>
+            <a:r>
+              <a:rPr lang="en-US" altLang="zh-CN"/>
+              <a:t>sLMask</a:t>
+            </a:r>
+            <a:endParaRPr lang="en-US" altLang="zh-CN"/>
+          </a:p>
+        </p:txBody>
+      </p:sp>
+      <p:sp>
+        <p:nvSpPr>
+          <p:cNvPr id="39" name="文本框 38"/>
+          <p:cNvSpPr txBox="1"/>
+          <p:nvPr/>
+        </p:nvSpPr>
+        <p:spPr>
+          <a:xfrm>
+            <a:off x="4392930" y="6391275"/>
+            <a:ext cx="586105" cy="368300"/>
+          </a:xfrm>
+          <a:prstGeom prst="rect">
+            <a:avLst/>
+          </a:prstGeom>
+          <a:noFill/>
+        </p:spPr>
+        <p:txBody>
+          <a:bodyPr wrap="none" rtlCol="0">
+            <a:spAutoFit/>
+          </a:bodyPr>
+          <a:p>
+            <a:pPr algn="l"/>
+            <a:r>
+              <a:rPr lang="en-US" altLang="zh-CN"/>
+              <a:t>conf</a:t>
+            </a:r>
+            <a:endParaRPr lang="en-US" altLang="zh-CN"/>
+          </a:p>
+        </p:txBody>
+      </p:sp>
+      <p:sp>
+        <p:nvSpPr>
+          <p:cNvPr id="40" name="文本框 39"/>
+          <p:cNvSpPr txBox="1"/>
+          <p:nvPr/>
+        </p:nvSpPr>
+        <p:spPr>
+          <a:xfrm>
+            <a:off x="6265545" y="6390005"/>
+            <a:ext cx="732155" cy="368300"/>
+          </a:xfrm>
+          <a:prstGeom prst="rect">
+            <a:avLst/>
+          </a:prstGeom>
+          <a:noFill/>
+        </p:spPr>
+        <p:txBody>
+          <a:bodyPr wrap="none" rtlCol="0">
+            <a:spAutoFit/>
+          </a:bodyPr>
+          <a:p>
+            <a:pPr algn="l"/>
+            <a:r>
+              <a:rPr lang="en-US" altLang="zh-CN"/>
+              <a:t>depth</a:t>
+            </a:r>
+            <a:endParaRPr lang="en-US" altLang="zh-CN"/>
+          </a:p>
+        </p:txBody>
+      </p:sp>
+      <p:sp>
+        <p:nvSpPr>
+          <p:cNvPr id="41" name="文本框 40"/>
+          <p:cNvSpPr txBox="1"/>
+          <p:nvPr/>
+        </p:nvSpPr>
+        <p:spPr>
+          <a:xfrm>
+            <a:off x="7921625" y="6390640"/>
+            <a:ext cx="848360" cy="368300"/>
+          </a:xfrm>
+          <a:prstGeom prst="rect">
+            <a:avLst/>
+          </a:prstGeom>
+          <a:noFill/>
+        </p:spPr>
+        <p:txBody>
+          <a:bodyPr wrap="none" rtlCol="0">
+            <a:spAutoFit/>
+          </a:bodyPr>
+          <a:p>
+            <a:pPr algn="l"/>
+            <a:r>
+              <a:rPr lang="en-US" altLang="zh-CN"/>
+              <a:t>normal</a:t>
+            </a:r>
+            <a:endParaRPr lang="en-US" altLang="zh-CN"/>
+          </a:p>
+        </p:txBody>
+      </p:sp>
+      <p:sp>
+        <p:nvSpPr>
+          <p:cNvPr id="43" name="矩形 42"/>
+          <p:cNvSpPr/>
+          <p:nvPr/>
+        </p:nvSpPr>
+        <p:spPr>
+          <a:xfrm>
+            <a:off x="785495" y="4598035"/>
+            <a:ext cx="11109325" cy="2225040"/>
+          </a:xfrm>
+          <a:prstGeom prst="rect">
+            <a:avLst/>
+          </a:prstGeom>
+          <a:noFill/>
+          <a:ln>
+            <a:solidFill>
+              <a:srgbClr val="FF0000"/>
+            </a:solidFill>
+          </a:ln>
+          <a:extLst>
+            <a:ext uri="{909E8E84-426E-40DD-AFC4-6F175D3DCCD1}">
+              <a14:hiddenFill xmlns:a14="http://schemas.microsoft.com/office/drawing/2010/main">
+                <a:solidFill>
+                  <a:schemeClr val="accent1"/>
+                </a:solidFill>
+              </a14:hiddenFill>
+            </a:ext>
+          </a:extLst>
+        </p:spPr>
+        <p:style>
+          <a:lnRef idx="2">
+            <a:schemeClr val="accent1">
+              <a:shade val="50000"/>
+            </a:schemeClr>
+          </a:lnRef>
+          <a:fillRef idx="1">
+            <a:schemeClr val="accent1"/>
+          </a:fillRef>
+          <a:effectRef idx="0">
+            <a:schemeClr val="accent1"/>
+          </a:effectRef>
+          <a:fontRef idx="minor">
+            <a:schemeClr val="lt1"/>
+          </a:fontRef>
+        </p:style>
+        <p:txBody>
+          <a:bodyPr rtlCol="0" anchor="ctr"/>
+          <a:p>
+            <a:pPr algn="ctr"/>
+            <a:endParaRPr lang="zh-CN" altLang="en-US"/>
+          </a:p>
+        </p:txBody>
+      </p:sp>
     </p:spTree>
   </p:cSld>
   <p:clrMapOvr>
@@ -12304,6 +14575,11 @@
               </a:rPr>
               <a:t>关于原数据格式的了解</a:t>
             </a:r>
+            <a:endParaRPr lang="zh-CN" altLang="en-US" sz="2800">
+              <a:solidFill>
+                <a:srgbClr val="FF0000"/>
+              </a:solidFill>
+            </a:endParaRPr>
           </a:p>
         </p:txBody>
       </p:sp>
@@ -12429,7 +14705,7 @@
           <p:nvPr/>
         </p:nvPicPr>
         <p:blipFill>
-          <a:blip r:embed="rId2"/>
+          <a:blip r:embed="rId1"/>
           <a:stretch>
             <a:fillRect/>
           </a:stretch>
@@ -12499,6 +14775,11 @@
               </a:rPr>
               <a:t>关于原数据格式的了解</a:t>
             </a:r>
+            <a:endParaRPr lang="zh-CN" altLang="en-US" sz="2800">
+              <a:solidFill>
+                <a:srgbClr val="FF0000"/>
+              </a:solidFill>
+            </a:endParaRPr>
           </a:p>
         </p:txBody>
       </p:sp>
@@ -12625,6 +14906,7 @@
               <a:rPr lang="zh-CN" altLang="en-US"/>
               <a:t>，通道数是特征图的通道</a:t>
             </a:r>
+            <a:endParaRPr lang="zh-CN" altLang="en-US"/>
           </a:p>
           <a:p>
             <a:pPr algn="l"/>
@@ -12648,6 +14930,7 @@
               <a:rPr lang="zh-CN" altLang="en-US"/>
               <a:t>的输出的流场，深度，法线，置信度</a:t>
             </a:r>
+            <a:endParaRPr lang="zh-CN" altLang="en-US"/>
           </a:p>
         </p:txBody>
       </p:sp>
@@ -12664,7 +14947,7 @@
           </p:nvPr>
         </p:nvPicPr>
         <p:blipFill>
-          <a:blip r:embed="rId3"/>
+          <a:blip r:embed="rId2"/>
           <a:stretch>
             <a:fillRect/>
           </a:stretch>
@@ -12688,7 +14971,7 @@
           <p:nvPr/>
         </p:nvPicPr>
         <p:blipFill>
-          <a:blip r:embed="rId4"/>
+          <a:blip r:embed="rId3"/>
           <a:stretch>
             <a:fillRect/>
           </a:stretch>
@@ -12758,6 +15041,11 @@
               </a:rPr>
               <a:t>关于原数据格式的了解</a:t>
             </a:r>
+            <a:endParaRPr lang="zh-CN" altLang="en-US" sz="2800">
+              <a:solidFill>
+                <a:srgbClr val="FF0000"/>
+              </a:solidFill>
+            </a:endParaRPr>
           </a:p>
         </p:txBody>
       </p:sp>
@@ -12788,25 +15076,20 @@
               <a:rPr lang="zh-CN"/>
               <a:t>程序中数据流</a:t>
             </a:r>
-          </a:p>
-        </p:txBody>
-      </p:sp>
-      <p:pic>
-        <p:nvPicPr>
-          <p:cNvPr id="3" name="图片 2">
-            <a:extLst>
-              <a:ext uri="{FF2B5EF4-FFF2-40B4-BE49-F238E27FC236}">
-                <a16:creationId xmlns:a16="http://schemas.microsoft.com/office/drawing/2014/main" id="{1541AA4F-4602-D2A0-76E3-237F4E69AD5D}"/>
-              </a:ext>
-            </a:extLst>
-          </p:cNvPr>
-          <p:cNvPicPr>
-            <a:picLocks noChangeAspect="1"/>
-          </p:cNvPicPr>
-          <p:nvPr/>
-        </p:nvPicPr>
-        <p:blipFill>
-          <a:blip r:embed="rId2"/>
+            <a:endParaRPr lang="zh-CN"/>
+          </a:p>
+        </p:txBody>
+      </p:sp>
+      <p:pic>
+        <p:nvPicPr>
+          <p:cNvPr id="3" name="图片 2"/>
+          <p:cNvPicPr>
+            <a:picLocks noChangeAspect="1"/>
+          </p:cNvPicPr>
+          <p:nvPr/>
+        </p:nvPicPr>
+        <p:blipFill>
+          <a:blip r:embed="rId1"/>
           <a:stretch>
             <a:fillRect/>
           </a:stretch>
@@ -12876,6 +15159,11 @@
               </a:rPr>
               <a:t>关于原数据格式的了解</a:t>
             </a:r>
+            <a:endParaRPr lang="zh-CN" altLang="en-US" sz="2800">
+              <a:solidFill>
+                <a:srgbClr val="FF0000"/>
+              </a:solidFill>
+            </a:endParaRPr>
           </a:p>
         </p:txBody>
       </p:sp>
@@ -12906,6 +15194,7 @@
               <a:rPr lang="zh-CN"/>
               <a:t>程序中输入值返回值没有个统一的规律，很多同一变量往往是不同命名。所以根据作者给的SAS_twoStage_final42K_</a:t>
             </a:r>
+            <a:endParaRPr lang="zh-CN"/>
           </a:p>
           <a:p>
             <a:pPr algn="l"/>
@@ -12925,6 +15214,7 @@
               <a:rPr lang="zh-CN"/>
               <a:t>输入节点。并写出变量对照表。其余三个因为作者也没写为输入，感觉对输出的影响</a:t>
             </a:r>
+            <a:endParaRPr lang="zh-CN"/>
           </a:p>
           <a:p>
             <a:pPr algn="l"/>
@@ -12932,6 +15222,7 @@
               <a:rPr lang="zh-CN"/>
               <a:t>不是很大。总之影响会在实验中给出</a:t>
             </a:r>
+            <a:endParaRPr lang="zh-CN"/>
           </a:p>
         </p:txBody>
       </p:sp>
@@ -12944,7 +15235,7 @@
           <p:nvPr/>
         </p:nvPicPr>
         <p:blipFill>
-          <a:blip r:embed="rId2"/>
+          <a:blip r:embed="rId1"/>
           <a:stretch>
             <a:fillRect/>
           </a:stretch>
@@ -13014,6 +15305,11 @@
               </a:rPr>
               <a:t>关于原数据格式的了解</a:t>
             </a:r>
+            <a:endParaRPr lang="zh-CN" altLang="en-US" sz="2800">
+              <a:solidFill>
+                <a:srgbClr val="FF0000"/>
+              </a:solidFill>
+            </a:endParaRPr>
           </a:p>
         </p:txBody>
       </p:sp>
@@ -13059,12 +15355,14 @@
               <a:rPr lang="zh-CN" altLang="en-US"/>
               <a:t>方法，对比输出的</a:t>
             </a:r>
+            <a:endParaRPr lang="zh-CN" altLang="en-US"/>
           </a:p>
           <a:p>
             <a:r>
               <a:rPr lang="zh-CN" altLang="en-US"/>
               <a:t>图片</a:t>
             </a:r>
+            <a:endParaRPr lang="zh-CN" altLang="en-US"/>
           </a:p>
         </p:txBody>
       </p:sp>
@@ -13077,7 +15375,7 @@
           <p:nvPr/>
         </p:nvPicPr>
         <p:blipFill>
-          <a:blip r:embed="rId2"/>
+          <a:blip r:embed="rId1"/>
           <a:stretch>
             <a:fillRect/>
           </a:stretch>
@@ -13147,6 +15445,11 @@
               </a:rPr>
               <a:t>关于原数据格式的了解</a:t>
             </a:r>
+            <a:endParaRPr lang="zh-CN" altLang="en-US" sz="2800">
+              <a:solidFill>
+                <a:srgbClr val="FF0000"/>
+              </a:solidFill>
+            </a:endParaRPr>
           </a:p>
         </p:txBody>
       </p:sp>
@@ -13201,6 +15504,7 @@
               <a:rPr lang="zh-CN" altLang="en-US"/>
               <a:t>是</a:t>
             </a:r>
+            <a:endParaRPr lang="zh-CN" altLang="en-US"/>
           </a:p>
           <a:p>
             <a:pPr algn="l"/>
@@ -13208,6 +15512,7 @@
               <a:rPr lang="zh-CN" altLang="en-US"/>
               <a:t>未显示图片的</a:t>
             </a:r>
+            <a:endParaRPr lang="zh-CN" altLang="en-US"/>
           </a:p>
         </p:txBody>
       </p:sp>
@@ -13220,7 +15525,7 @@
           <p:nvPr/>
         </p:nvPicPr>
         <p:blipFill>
-          <a:blip r:embed="rId2"/>
+          <a:blip r:embed="rId1"/>
           <a:stretch>
             <a:fillRect/>
           </a:stretch>
@@ -13290,6 +15595,11 @@
               </a:rPr>
               <a:t>关于原数据格式的了解</a:t>
             </a:r>
+            <a:endParaRPr lang="zh-CN" altLang="en-US" sz="2800">
+              <a:solidFill>
+                <a:srgbClr val="FF0000"/>
+              </a:solidFill>
+            </a:endParaRPr>
           </a:p>
         </p:txBody>
       </p:sp>
@@ -13344,6 +15654,7 @@
               <a:rPr lang="zh-CN" altLang="en-US"/>
               <a:t>是</a:t>
             </a:r>
+            <a:endParaRPr lang="zh-CN" altLang="en-US"/>
           </a:p>
           <a:p>
             <a:pPr algn="l"/>
@@ -13351,6 +15662,7 @@
               <a:rPr lang="zh-CN" altLang="en-US"/>
               <a:t>未显示图片的</a:t>
             </a:r>
+            <a:endParaRPr lang="zh-CN" altLang="en-US"/>
           </a:p>
         </p:txBody>
       </p:sp>
@@ -13363,7 +15675,7 @@
           <p:nvPr/>
         </p:nvPicPr>
         <p:blipFill>
-          <a:blip r:embed="rId2"/>
+          <a:blip r:embed="rId1"/>
           <a:stretch>
             <a:fillRect/>
           </a:stretch>
@@ -13387,8 +15699,15 @@
 </file>
 
 <file path=ppt/tags/tag1.xml><?xml version="1.0" encoding="utf-8"?>
-<p:tagLst xmlns:a="http://schemas.openxmlformats.org/drawingml/2006/main" xmlns:r="http://schemas.openxmlformats.org/officeDocument/2006/relationships" xmlns:p="http://schemas.openxmlformats.org/presentationml/2006/main">
+<p:tagLst xmlns:p="http://schemas.openxmlformats.org/presentationml/2006/main">
   <p:tag name="KSO_WM_UNIT_PLACING_PICTURE_USER_VIEWPORT" val="{&quot;height&quot;:3214,&quot;width&quot;:8835}"/>
+</p:tagLst>
+</file>
+
+<file path=ppt/tags/tag2.xml><?xml version="1.0" encoding="utf-8"?>
+<p:tagLst xmlns:p="http://schemas.openxmlformats.org/presentationml/2006/main">
+  <p:tag name="KSO_WPP_MARK_KEY" val="e3e0ba80-7b1c-4dbf-97d0-e981e60b86e8"/>
+  <p:tag name="COMMONDATA" val="eyJoZGlkIjoiZjVhYjJhMTBjMzZiZWI3OTAzZTQyODAwMjFkOTVlOWUifQ=="/>
 </p:tagLst>
 </file>
 
@@ -13643,8 +15962,6 @@
       </a:bgFillStyleLst>
     </a:fmtScheme>
   </a:themeElements>
-  <a:objectDefaults/>
-  <a:extraClrSchemeLst/>
   <a:extLst>
     <a:ext uri="{05A4C25C-085E-4340-85A3-A5531E510DB2}">
       <thm15:themeFamily xmlns:thm15="http://schemas.microsoft.com/office/thememl/2012/main" name="Office Theme" id="{62F939B6-93AF-4DB8-9C6B-D6C7DFDC589F}" vid="{4A3C46E8-61CC-4603-A589-7422A47A8E4A}"/>
